--- a/background/演示文稿1.pptx
+++ b/background/演示文稿1.pptx
@@ -2672,7 +2672,7 @@
         </p:blipFill>
         <p:spPr>
           <a:xfrm>
-            <a:off x="5080" y="-1905"/>
+            <a:off x="-3175" y="-1905"/>
             <a:ext cx="10925810" cy="6861810"/>
           </a:xfrm>
           <a:prstGeom prst="rect">
@@ -2688,8 +2688,8 @@
         </p:nvSpPr>
         <p:spPr>
           <a:xfrm>
-            <a:off x="3096260" y="1870075"/>
-            <a:ext cx="5469255" cy="2122805"/>
+            <a:off x="3206115" y="1878965"/>
+            <a:ext cx="5469255" cy="2306955"/>
           </a:xfrm>
           <a:prstGeom prst="rect">
             <a:avLst/>
@@ -2699,47 +2699,38 @@
         <p:txBody>
           <a:bodyPr wrap="square" rtlCol="0">
             <a:spAutoFit/>
-            <a:scene3d>
-              <a:camera prst="orthographicFront"/>
-              <a:lightRig rig="soft" dir="t">
-                <a:rot lat="0" lon="0" rev="15600000"/>
-              </a:lightRig>
-            </a:scene3d>
-            <a:sp3d extrusionH="57150" prstMaterial="softEdge">
-              <a:bevelT w="25400" h="38100"/>
-            </a:sp3d>
           </a:bodyPr>
           <a:p>
             <a:pPr algn="ctr"/>
             <a:r>
-              <a:rPr lang="en-US" altLang="zh-CN" sz="4400">
+              <a:rPr lang="en-US" altLang="zh-CN" sz="4800">
                 <a:ln/>
                 <a:solidFill>
-                  <a:schemeClr val="bg1"/>
+                  <a:schemeClr val="bg2"/>
                 </a:solidFill>
                 <a:effectLst>
-                  <a:outerShdw blurRad="38100" dist="38100" dir="2700000" algn="tl">
+                  <a:innerShdw blurRad="63500" dist="50800" dir="13500000">
                     <a:srgbClr val="000000">
-                      <a:alpha val="43137"/>
+                      <a:alpha val="50000"/>
                     </a:srgbClr>
-                  </a:outerShdw>
+                  </a:innerShdw>
                 </a:effectLst>
                 <a:latin typeface="FZChaoCuHei-M10" panose="02000000000000000000" charset="-122"/>
                 <a:ea typeface="FZChaoCuHei-M10" panose="02000000000000000000" charset="-122"/>
               </a:rPr>
               <a:t>MAKE YOUR</a:t>
             </a:r>
-            <a:endParaRPr lang="en-US" altLang="zh-CN" sz="4400">
+            <a:endParaRPr lang="en-US" altLang="zh-CN" sz="4800">
               <a:ln/>
               <a:solidFill>
-                <a:schemeClr val="bg1"/>
+                <a:schemeClr val="bg2"/>
               </a:solidFill>
               <a:effectLst>
-                <a:outerShdw blurRad="38100" dist="38100" dir="2700000" algn="tl">
+                <a:innerShdw blurRad="63500" dist="50800" dir="13500000">
                   <a:srgbClr val="000000">
-                    <a:alpha val="43137"/>
+                    <a:alpha val="50000"/>
                   </a:srgbClr>
-                </a:outerShdw>
+                </a:innerShdw>
               </a:effectLst>
               <a:latin typeface="FZChaoCuHei-M10" panose="02000000000000000000" charset="-122"/>
               <a:ea typeface="FZChaoCuHei-M10" panose="02000000000000000000" charset="-122"/>
@@ -2748,34 +2739,34 @@
           <a:p>
             <a:pPr algn="ctr"/>
             <a:r>
-              <a:rPr lang="en-US" altLang="zh-CN" sz="4400">
+              <a:rPr lang="en-US" altLang="zh-CN" sz="4800">
                 <a:ln/>
                 <a:solidFill>
-                  <a:schemeClr val="bg1"/>
+                  <a:schemeClr val="bg2"/>
                 </a:solidFill>
                 <a:effectLst>
-                  <a:outerShdw blurRad="38100" dist="38100" dir="2700000" algn="tl">
+                  <a:innerShdw blurRad="63500" dist="50800" dir="13500000">
                     <a:srgbClr val="000000">
-                      <a:alpha val="43137"/>
+                      <a:alpha val="50000"/>
                     </a:srgbClr>
-                  </a:outerShdw>
+                  </a:innerShdw>
                 </a:effectLst>
                 <a:latin typeface="FZChaoCuHei-M10" panose="02000000000000000000" charset="-122"/>
                 <a:ea typeface="FZChaoCuHei-M10" panose="02000000000000000000" charset="-122"/>
               </a:rPr>
               <a:t>AVATAR</a:t>
             </a:r>
-            <a:endParaRPr lang="en-US" altLang="zh-CN" sz="4400">
+            <a:endParaRPr lang="en-US" altLang="zh-CN" sz="4800">
               <a:ln/>
               <a:solidFill>
-                <a:schemeClr val="bg1"/>
+                <a:schemeClr val="bg2"/>
               </a:solidFill>
               <a:effectLst>
-                <a:outerShdw blurRad="38100" dist="38100" dir="2700000" algn="tl">
+                <a:innerShdw blurRad="63500" dist="50800" dir="13500000">
                   <a:srgbClr val="000000">
-                    <a:alpha val="43137"/>
+                    <a:alpha val="50000"/>
                   </a:srgbClr>
-                </a:outerShdw>
+                </a:innerShdw>
               </a:effectLst>
               <a:latin typeface="FZChaoCuHei-M10" panose="02000000000000000000" charset="-122"/>
               <a:ea typeface="FZChaoCuHei-M10" panose="02000000000000000000" charset="-122"/>
@@ -2784,34 +2775,34 @@
           <a:p>
             <a:pPr algn="ctr"/>
             <a:r>
-              <a:rPr lang="en-US" altLang="zh-CN" sz="4400">
+              <a:rPr lang="en-US" altLang="zh-CN" sz="4800">
                 <a:ln/>
                 <a:solidFill>
-                  <a:schemeClr val="bg1"/>
+                  <a:schemeClr val="bg2"/>
                 </a:solidFill>
                 <a:effectLst>
-                  <a:outerShdw blurRad="38100" dist="38100" dir="2700000" algn="tl">
+                  <a:innerShdw blurRad="63500" dist="50800" dir="13500000">
                     <a:srgbClr val="000000">
-                      <a:alpha val="43137"/>
+                      <a:alpha val="50000"/>
                     </a:srgbClr>
-                  </a:outerShdw>
+                  </a:innerShdw>
                 </a:effectLst>
                 <a:latin typeface="FZChaoCuHei-M10" panose="02000000000000000000" charset="-122"/>
                 <a:ea typeface="FZChaoCuHei-M10" panose="02000000000000000000" charset="-122"/>
               </a:rPr>
               <a:t>WITH AI!</a:t>
             </a:r>
-            <a:endParaRPr lang="en-US" altLang="zh-CN" sz="4400">
+            <a:endParaRPr lang="en-US" altLang="zh-CN" sz="4800">
               <a:ln/>
               <a:solidFill>
-                <a:schemeClr val="bg1"/>
+                <a:schemeClr val="bg2"/>
               </a:solidFill>
               <a:effectLst>
-                <a:outerShdw blurRad="38100" dist="38100" dir="2700000" algn="tl">
+                <a:innerShdw blurRad="63500" dist="50800" dir="13500000">
                   <a:srgbClr val="000000">
-                    <a:alpha val="43137"/>
+                    <a:alpha val="50000"/>
                   </a:srgbClr>
-                </a:outerShdw>
+                </a:innerShdw>
               </a:effectLst>
               <a:latin typeface="FZChaoCuHei-M10" panose="02000000000000000000" charset="-122"/>
               <a:ea typeface="FZChaoCuHei-M10" panose="02000000000000000000" charset="-122"/>

--- a/background/演示文稿1.pptx
+++ b/background/演示文稿1.pptx
@@ -2829,20 +2829,30 @@
         <p:txBody>
           <a:bodyPr wrap="square" rtlCol="0">
             <a:spAutoFit/>
+            <a:scene3d>
+              <a:camera prst="orthographicFront"/>
+              <a:lightRig rig="soft" dir="t">
+                <a:rot lat="0" lon="0" rev="15600000"/>
+              </a:lightRig>
+            </a:scene3d>
+            <a:sp3d extrusionH="57150" prstMaterial="softEdge">
+              <a:bevelT w="25400" h="38100"/>
+            </a:sp3d>
           </a:bodyPr>
           <a:p>
             <a:pPr algn="ctr"/>
             <a:r>
               <a:rPr lang="en-US" altLang="zh-CN" sz="4000">
+                <a:ln/>
                 <a:solidFill>
-                  <a:schemeClr val="bg2"/>
+                  <a:schemeClr val="bg1"/>
                 </a:solidFill>
                 <a:effectLst>
-                  <a:innerShdw blurRad="63500" dist="50800" dir="13500000">
+                  <a:outerShdw blurRad="38100" dist="38100" dir="2700000" algn="tl">
                     <a:srgbClr val="000000">
-                      <a:alpha val="50000"/>
+                      <a:alpha val="43137"/>
                     </a:srgbClr>
-                  </a:innerShdw>
+                  </a:outerShdw>
                 </a:effectLst>
                 <a:latin typeface="FZChaoCuHei-M10" panose="02000000000000000000" charset="-122"/>
                 <a:ea typeface="FZChaoCuHei-M10" panose="02000000000000000000" charset="-122"/>
@@ -2850,15 +2860,16 @@
               <a:t>Create </a:t>
             </a:r>
             <a:endParaRPr lang="en-US" altLang="zh-CN" sz="4000">
+              <a:ln/>
               <a:solidFill>
-                <a:schemeClr val="bg2"/>
+                <a:schemeClr val="bg1"/>
               </a:solidFill>
               <a:effectLst>
-                <a:innerShdw blurRad="63500" dist="50800" dir="13500000">
+                <a:outerShdw blurRad="38100" dist="38100" dir="2700000" algn="tl">
                   <a:srgbClr val="000000">
-                    <a:alpha val="50000"/>
+                    <a:alpha val="43137"/>
                   </a:srgbClr>
-                </a:innerShdw>
+                </a:outerShdw>
               </a:effectLst>
               <a:latin typeface="FZChaoCuHei-M10" panose="02000000000000000000" charset="-122"/>
               <a:ea typeface="FZChaoCuHei-M10" panose="02000000000000000000" charset="-122"/>
@@ -2868,15 +2879,16 @@
             <a:pPr algn="ctr"/>
             <a:r>
               <a:rPr lang="en-US" altLang="zh-CN" sz="4000">
+                <a:ln/>
                 <a:solidFill>
-                  <a:schemeClr val="bg2"/>
+                  <a:schemeClr val="bg1"/>
                 </a:solidFill>
                 <a:effectLst>
-                  <a:innerShdw blurRad="63500" dist="50800" dir="13500000">
+                  <a:outerShdw blurRad="38100" dist="38100" dir="2700000" algn="tl">
                     <a:srgbClr val="000000">
-                      <a:alpha val="50000"/>
+                      <a:alpha val="43137"/>
                     </a:srgbClr>
-                  </a:innerShdw>
+                  </a:outerShdw>
                 </a:effectLst>
                 <a:latin typeface="FZChaoCuHei-M10" panose="02000000000000000000" charset="-122"/>
                 <a:ea typeface="FZChaoCuHei-M10" panose="02000000000000000000" charset="-122"/>
@@ -2884,15 +2896,16 @@
               <a:t>Anime</a:t>
             </a:r>
             <a:endParaRPr lang="en-US" altLang="zh-CN" sz="4000">
+              <a:ln/>
               <a:solidFill>
-                <a:schemeClr val="bg2"/>
+                <a:schemeClr val="bg1"/>
               </a:solidFill>
               <a:effectLst>
-                <a:innerShdw blurRad="63500" dist="50800" dir="13500000">
+                <a:outerShdw blurRad="38100" dist="38100" dir="2700000" algn="tl">
                   <a:srgbClr val="000000">
-                    <a:alpha val="50000"/>
+                    <a:alpha val="43137"/>
                   </a:srgbClr>
-                </a:innerShdw>
+                </a:outerShdw>
               </a:effectLst>
               <a:latin typeface="FZChaoCuHei-M10" panose="02000000000000000000" charset="-122"/>
               <a:ea typeface="FZChaoCuHei-M10" panose="02000000000000000000" charset="-122"/>
@@ -2902,15 +2915,16 @@
             <a:pPr algn="ctr"/>
             <a:r>
               <a:rPr lang="en-US" altLang="zh-CN" sz="4000">
+                <a:ln/>
                 <a:solidFill>
-                  <a:schemeClr val="bg2"/>
+                  <a:schemeClr val="bg1"/>
                 </a:solidFill>
                 <a:effectLst>
-                  <a:innerShdw blurRad="63500" dist="50800" dir="13500000">
+                  <a:outerShdw blurRad="38100" dist="38100" dir="2700000" algn="tl">
                     <a:srgbClr val="000000">
-                      <a:alpha val="50000"/>
+                      <a:alpha val="43137"/>
                     </a:srgbClr>
-                  </a:innerShdw>
+                  </a:outerShdw>
                 </a:effectLst>
                 <a:latin typeface="FZChaoCuHei-M10" panose="02000000000000000000" charset="-122"/>
                 <a:ea typeface="FZChaoCuHei-M10" panose="02000000000000000000" charset="-122"/>
@@ -2918,15 +2932,16 @@
               <a:t>Avatar</a:t>
             </a:r>
             <a:endParaRPr lang="en-US" altLang="zh-CN" sz="4000">
+              <a:ln/>
               <a:solidFill>
-                <a:schemeClr val="bg2"/>
+                <a:schemeClr val="bg1"/>
               </a:solidFill>
               <a:effectLst>
-                <a:innerShdw blurRad="63500" dist="50800" dir="13500000">
+                <a:outerShdw blurRad="38100" dist="38100" dir="2700000" algn="tl">
                   <a:srgbClr val="000000">
-                    <a:alpha val="50000"/>
+                    <a:alpha val="43137"/>
                   </a:srgbClr>
-                </a:innerShdw>
+                </a:outerShdw>
               </a:effectLst>
               <a:latin typeface="FZChaoCuHei-M10" panose="02000000000000000000" charset="-122"/>
               <a:ea typeface="FZChaoCuHei-M10" panose="02000000000000000000" charset="-122"/>
@@ -2953,21 +2968,25 @@
         <p:txBody>
           <a:bodyPr wrap="square" rtlCol="0">
             <a:spAutoFit/>
+            <a:scene3d>
+              <a:camera prst="orthographicFront"/>
+              <a:lightRig rig="soft" dir="t">
+                <a:rot lat="0" lon="0" rev="15600000"/>
+              </a:lightRig>
+            </a:scene3d>
+            <a:sp3d extrusionH="57150" prstMaterial="softEdge">
+              <a:bevelT w="25400" h="38100"/>
+            </a:sp3d>
           </a:bodyPr>
           <a:p>
             <a:pPr algn="ctr"/>
             <a:r>
               <a:rPr lang="en-US" altLang="zh-CN" sz="3600">
+                <a:ln/>
                 <a:solidFill>
-                  <a:schemeClr val="bg2"/>
+                  <a:schemeClr val="bg1"/>
                 </a:solidFill>
-                <a:effectLst>
-                  <a:innerShdw blurRad="63500" dist="50800" dir="13500000">
-                    <a:srgbClr val="000000">
-                      <a:alpha val="50000"/>
-                    </a:srgbClr>
-                  </a:innerShdw>
-                </a:effectLst>
+                <a:effectLst/>
                 <a:latin typeface="FZChaoCuHei-M10" panose="02000000000000000000" charset="-122"/>
                 <a:ea typeface="FZChaoCuHei-M10" panose="02000000000000000000" charset="-122"/>
                 <a:sym typeface="+mn-ea"/>
@@ -2975,16 +2994,11 @@
               <a:t>Image</a:t>
             </a:r>
             <a:endParaRPr lang="en-US" altLang="zh-CN" sz="3600">
+              <a:ln/>
               <a:solidFill>
-                <a:schemeClr val="bg2"/>
+                <a:schemeClr val="bg1"/>
               </a:solidFill>
-              <a:effectLst>
-                <a:innerShdw blurRad="63500" dist="50800" dir="13500000">
-                  <a:srgbClr val="000000">
-                    <a:alpha val="50000"/>
-                  </a:srgbClr>
-                </a:innerShdw>
-              </a:effectLst>
+              <a:effectLst/>
               <a:latin typeface="FZChaoCuHei-M10" panose="02000000000000000000" charset="-122"/>
               <a:ea typeface="FZChaoCuHei-M10" panose="02000000000000000000" charset="-122"/>
               <a:sym typeface="+mn-ea"/>
@@ -2994,16 +3008,11 @@
             <a:pPr algn="ctr"/>
             <a:r>
               <a:rPr lang="en-US" altLang="zh-CN" sz="3600">
+                <a:ln/>
                 <a:solidFill>
-                  <a:schemeClr val="bg2"/>
+                  <a:schemeClr val="bg1"/>
                 </a:solidFill>
-                <a:effectLst>
-                  <a:innerShdw blurRad="63500" dist="50800" dir="13500000">
-                    <a:srgbClr val="000000">
-                      <a:alpha val="50000"/>
-                    </a:srgbClr>
-                  </a:innerShdw>
-                </a:effectLst>
+                <a:effectLst/>
                 <a:latin typeface="FZChaoCuHei-M10" panose="02000000000000000000" charset="-122"/>
                 <a:ea typeface="FZChaoCuHei-M10" panose="02000000000000000000" charset="-122"/>
                 <a:sym typeface="+mn-ea"/>
@@ -3011,16 +3020,11 @@
               <a:t>Style</a:t>
             </a:r>
             <a:endParaRPr lang="en-US" altLang="zh-CN" sz="3600">
+              <a:ln/>
               <a:solidFill>
-                <a:schemeClr val="bg2"/>
+                <a:schemeClr val="bg1"/>
               </a:solidFill>
-              <a:effectLst>
-                <a:innerShdw blurRad="63500" dist="50800" dir="13500000">
-                  <a:srgbClr val="000000">
-                    <a:alpha val="50000"/>
-                  </a:srgbClr>
-                </a:innerShdw>
-              </a:effectLst>
+              <a:effectLst/>
               <a:latin typeface="FZChaoCuHei-M10" panose="02000000000000000000" charset="-122"/>
               <a:ea typeface="FZChaoCuHei-M10" panose="02000000000000000000" charset="-122"/>
             </a:endParaRPr>
@@ -3029,32 +3033,22 @@
             <a:pPr algn="ctr"/>
             <a:r>
               <a:rPr lang="en-US" altLang="zh-CN" sz="3600">
+                <a:ln/>
                 <a:solidFill>
-                  <a:schemeClr val="bg2"/>
+                  <a:schemeClr val="bg1"/>
                 </a:solidFill>
-                <a:effectLst>
-                  <a:innerShdw blurRad="63500" dist="50800" dir="13500000">
-                    <a:srgbClr val="000000">
-                      <a:alpha val="50000"/>
-                    </a:srgbClr>
-                  </a:innerShdw>
-                </a:effectLst>
+                <a:effectLst/>
                 <a:latin typeface="FZChaoCuHei-M10" panose="02000000000000000000" charset="-122"/>
                 <a:ea typeface="FZChaoCuHei-M10" panose="02000000000000000000" charset="-122"/>
               </a:rPr>
               <a:t>Tranfer </a:t>
             </a:r>
             <a:endParaRPr lang="en-US" altLang="zh-CN" sz="3600">
+              <a:ln/>
               <a:solidFill>
-                <a:schemeClr val="bg2"/>
+                <a:schemeClr val="bg1"/>
               </a:solidFill>
-              <a:effectLst>
-                <a:innerShdw blurRad="63500" dist="50800" dir="13500000">
-                  <a:srgbClr val="000000">
-                    <a:alpha val="50000"/>
-                  </a:srgbClr>
-                </a:innerShdw>
-              </a:effectLst>
+              <a:effectLst/>
               <a:latin typeface="FZChaoCuHei-M10" panose="02000000000000000000" charset="-122"/>
               <a:ea typeface="FZChaoCuHei-M10" panose="02000000000000000000" charset="-122"/>
             </a:endParaRPr>

--- a/background/演示文稿1.pptx
+++ b/background/演示文稿1.pptx
@@ -2704,6 +2704,130 @@
             <a:pPr algn="ctr"/>
             <a:r>
               <a:rPr lang="en-US" altLang="zh-CN" sz="4800">
+                <a:solidFill>
+                  <a:schemeClr val="bg2"/>
+                </a:solidFill>
+                <a:effectLst>
+                  <a:innerShdw blurRad="63500" dist="50800" dir="13500000">
+                    <a:srgbClr val="000000">
+                      <a:alpha val="50000"/>
+                    </a:srgbClr>
+                  </a:innerShdw>
+                </a:effectLst>
+                <a:latin typeface="FZChaoCuHei-M10" panose="02000000000000000000" charset="-122"/>
+                <a:ea typeface="FZChaoCuHei-M10" panose="02000000000000000000" charset="-122"/>
+              </a:rPr>
+              <a:t>MAKE YOUR</a:t>
+            </a:r>
+            <a:endParaRPr lang="en-US" altLang="zh-CN" sz="4800">
+              <a:solidFill>
+                <a:schemeClr val="bg2"/>
+              </a:solidFill>
+              <a:effectLst>
+                <a:innerShdw blurRad="63500" dist="50800" dir="13500000">
+                  <a:srgbClr val="000000">
+                    <a:alpha val="50000"/>
+                  </a:srgbClr>
+                </a:innerShdw>
+              </a:effectLst>
+              <a:latin typeface="FZChaoCuHei-M10" panose="02000000000000000000" charset="-122"/>
+              <a:ea typeface="FZChaoCuHei-M10" panose="02000000000000000000" charset="-122"/>
+            </a:endParaRPr>
+          </a:p>
+          <a:p>
+            <a:pPr algn="ctr"/>
+            <a:r>
+              <a:rPr lang="en-US" altLang="zh-CN" sz="4800">
+                <a:solidFill>
+                  <a:schemeClr val="bg2"/>
+                </a:solidFill>
+                <a:effectLst>
+                  <a:innerShdw blurRad="63500" dist="50800" dir="13500000">
+                    <a:srgbClr val="000000">
+                      <a:alpha val="50000"/>
+                    </a:srgbClr>
+                  </a:innerShdw>
+                </a:effectLst>
+                <a:latin typeface="FZChaoCuHei-M10" panose="02000000000000000000" charset="-122"/>
+                <a:ea typeface="FZChaoCuHei-M10" panose="02000000000000000000" charset="-122"/>
+              </a:rPr>
+              <a:t>AVATAR</a:t>
+            </a:r>
+            <a:endParaRPr lang="en-US" altLang="zh-CN" sz="4800">
+              <a:solidFill>
+                <a:schemeClr val="bg2"/>
+              </a:solidFill>
+              <a:effectLst>
+                <a:innerShdw blurRad="63500" dist="50800" dir="13500000">
+                  <a:srgbClr val="000000">
+                    <a:alpha val="50000"/>
+                  </a:srgbClr>
+                </a:innerShdw>
+              </a:effectLst>
+              <a:latin typeface="FZChaoCuHei-M10" panose="02000000000000000000" charset="-122"/>
+              <a:ea typeface="FZChaoCuHei-M10" panose="02000000000000000000" charset="-122"/>
+            </a:endParaRPr>
+          </a:p>
+          <a:p>
+            <a:pPr algn="ctr"/>
+            <a:r>
+              <a:rPr lang="en-US" altLang="zh-CN" sz="4800">
+                <a:solidFill>
+                  <a:schemeClr val="bg2"/>
+                </a:solidFill>
+                <a:effectLst>
+                  <a:innerShdw blurRad="63500" dist="50800" dir="13500000">
+                    <a:srgbClr val="000000">
+                      <a:alpha val="50000"/>
+                    </a:srgbClr>
+                  </a:innerShdw>
+                </a:effectLst>
+                <a:latin typeface="FZChaoCuHei-M10" panose="02000000000000000000" charset="-122"/>
+                <a:ea typeface="FZChaoCuHei-M10" panose="02000000000000000000" charset="-122"/>
+              </a:rPr>
+              <a:t>WITH AI!</a:t>
+            </a:r>
+            <a:endParaRPr lang="en-US" altLang="zh-CN" sz="4800">
+              <a:solidFill>
+                <a:schemeClr val="bg2"/>
+              </a:solidFill>
+              <a:effectLst>
+                <a:innerShdw blurRad="63500" dist="50800" dir="13500000">
+                  <a:srgbClr val="000000">
+                    <a:alpha val="50000"/>
+                  </a:srgbClr>
+                </a:innerShdw>
+              </a:effectLst>
+              <a:latin typeface="FZChaoCuHei-M10" panose="02000000000000000000" charset="-122"/>
+              <a:ea typeface="FZChaoCuHei-M10" panose="02000000000000000000" charset="-122"/>
+            </a:endParaRPr>
+          </a:p>
+        </p:txBody>
+      </p:sp>
+      <p:sp>
+        <p:nvSpPr>
+          <p:cNvPr id="6" name="文本框 5"/>
+          <p:cNvSpPr txBox="1"/>
+          <p:nvPr/>
+        </p:nvSpPr>
+        <p:spPr>
+          <a:xfrm>
+            <a:off x="259080" y="1173480"/>
+            <a:ext cx="2752725" cy="1753235"/>
+          </a:xfrm>
+          <a:prstGeom prst="rect">
+            <a:avLst/>
+          </a:prstGeom>
+          <a:noFill/>
+        </p:spPr>
+        <p:txBody>
+          <a:bodyPr wrap="square" rtlCol="0">
+            <a:spAutoFit/>
+          </a:bodyPr>
+          <a:p>
+            <a:pPr algn="ctr"/>
+            <a:r>
+              <a:rPr lang="en-US" altLang="zh-CN" sz="3600">
                 <a:ln/>
                 <a:solidFill>
                   <a:schemeClr val="bg2"/>
@@ -2718,9 +2842,9 @@
                 <a:latin typeface="FZChaoCuHei-M10" panose="02000000000000000000" charset="-122"/>
                 <a:ea typeface="FZChaoCuHei-M10" panose="02000000000000000000" charset="-122"/>
               </a:rPr>
-              <a:t>MAKE YOUR</a:t>
-            </a:r>
-            <a:endParaRPr lang="en-US" altLang="zh-CN" sz="4800">
+              <a:t>Create </a:t>
+            </a:r>
+            <a:endParaRPr lang="en-US" altLang="zh-CN" sz="3600">
               <a:ln/>
               <a:solidFill>
                 <a:schemeClr val="bg2"/>
@@ -2739,7 +2863,7 @@
           <a:p>
             <a:pPr algn="ctr"/>
             <a:r>
-              <a:rPr lang="en-US" altLang="zh-CN" sz="4800">
+              <a:rPr lang="en-US" altLang="zh-CN" sz="3600">
                 <a:ln/>
                 <a:solidFill>
                   <a:schemeClr val="bg2"/>
@@ -2754,9 +2878,9 @@
                 <a:latin typeface="FZChaoCuHei-M10" panose="02000000000000000000" charset="-122"/>
                 <a:ea typeface="FZChaoCuHei-M10" panose="02000000000000000000" charset="-122"/>
               </a:rPr>
-              <a:t>AVATAR</a:t>
-            </a:r>
-            <a:endParaRPr lang="en-US" altLang="zh-CN" sz="4800">
+              <a:t>Anime</a:t>
+            </a:r>
+            <a:endParaRPr lang="en-US" altLang="zh-CN" sz="3600">
               <a:ln/>
               <a:solidFill>
                 <a:schemeClr val="bg2"/>
@@ -2775,7 +2899,7 @@
           <a:p>
             <a:pPr algn="ctr"/>
             <a:r>
-              <a:rPr lang="en-US" altLang="zh-CN" sz="4800">
+              <a:rPr lang="en-US" altLang="zh-CN" sz="3600">
                 <a:ln/>
                 <a:solidFill>
                   <a:schemeClr val="bg2"/>
@@ -2790,9 +2914,9 @@
                 <a:latin typeface="FZChaoCuHei-M10" panose="02000000000000000000" charset="-122"/>
                 <a:ea typeface="FZChaoCuHei-M10" panose="02000000000000000000" charset="-122"/>
               </a:rPr>
-              <a:t>WITH AI!</a:t>
-            </a:r>
-            <a:endParaRPr lang="en-US" altLang="zh-CN" sz="4800">
+              <a:t>Avatar</a:t>
+            </a:r>
+            <a:endParaRPr lang="en-US" altLang="zh-CN" sz="3600">
               <a:ln/>
               <a:solidFill>
                 <a:schemeClr val="bg2"/>
@@ -2812,152 +2936,13 @@
       </p:sp>
       <p:sp>
         <p:nvSpPr>
-          <p:cNvPr id="6" name="文本框 5"/>
-          <p:cNvSpPr txBox="1"/>
-          <p:nvPr/>
-        </p:nvSpPr>
-        <p:spPr>
-          <a:xfrm>
-            <a:off x="343535" y="407035"/>
-            <a:ext cx="2752725" cy="1938020"/>
-          </a:xfrm>
-          <a:prstGeom prst="rect">
-            <a:avLst/>
-          </a:prstGeom>
-          <a:noFill/>
-        </p:spPr>
-        <p:txBody>
-          <a:bodyPr wrap="square" rtlCol="0">
-            <a:spAutoFit/>
-            <a:scene3d>
-              <a:camera prst="orthographicFront"/>
-              <a:lightRig rig="soft" dir="t">
-                <a:rot lat="0" lon="0" rev="15600000"/>
-              </a:lightRig>
-            </a:scene3d>
-            <a:sp3d extrusionH="57150" prstMaterial="softEdge">
-              <a:bevelT w="25400" h="38100"/>
-            </a:sp3d>
-          </a:bodyPr>
-          <a:p>
-            <a:pPr algn="ctr"/>
-            <a:r>
-              <a:rPr lang="en-US" altLang="zh-CN" sz="4000">
-                <a:ln/>
-                <a:solidFill>
-                  <a:schemeClr val="bg1"/>
-                </a:solidFill>
-                <a:effectLst>
-                  <a:outerShdw blurRad="38100" dist="38100" dir="2700000" algn="tl">
-                    <a:srgbClr val="000000">
-                      <a:alpha val="43137"/>
-                    </a:srgbClr>
-                  </a:outerShdw>
-                </a:effectLst>
-                <a:latin typeface="FZChaoCuHei-M10" panose="02000000000000000000" charset="-122"/>
-                <a:ea typeface="FZChaoCuHei-M10" panose="02000000000000000000" charset="-122"/>
-              </a:rPr>
-              <a:t>Create </a:t>
-            </a:r>
-            <a:endParaRPr lang="en-US" altLang="zh-CN" sz="4000">
-              <a:ln/>
-              <a:solidFill>
-                <a:schemeClr val="bg1"/>
-              </a:solidFill>
-              <a:effectLst>
-                <a:outerShdw blurRad="38100" dist="38100" dir="2700000" algn="tl">
-                  <a:srgbClr val="000000">
-                    <a:alpha val="43137"/>
-                  </a:srgbClr>
-                </a:outerShdw>
-              </a:effectLst>
-              <a:latin typeface="FZChaoCuHei-M10" panose="02000000000000000000" charset="-122"/>
-              <a:ea typeface="FZChaoCuHei-M10" panose="02000000000000000000" charset="-122"/>
-            </a:endParaRPr>
-          </a:p>
-          <a:p>
-            <a:pPr algn="ctr"/>
-            <a:r>
-              <a:rPr lang="en-US" altLang="zh-CN" sz="4000">
-                <a:ln/>
-                <a:solidFill>
-                  <a:schemeClr val="bg1"/>
-                </a:solidFill>
-                <a:effectLst>
-                  <a:outerShdw blurRad="38100" dist="38100" dir="2700000" algn="tl">
-                    <a:srgbClr val="000000">
-                      <a:alpha val="43137"/>
-                    </a:srgbClr>
-                  </a:outerShdw>
-                </a:effectLst>
-                <a:latin typeface="FZChaoCuHei-M10" panose="02000000000000000000" charset="-122"/>
-                <a:ea typeface="FZChaoCuHei-M10" panose="02000000000000000000" charset="-122"/>
-              </a:rPr>
-              <a:t>Anime</a:t>
-            </a:r>
-            <a:endParaRPr lang="en-US" altLang="zh-CN" sz="4000">
-              <a:ln/>
-              <a:solidFill>
-                <a:schemeClr val="bg1"/>
-              </a:solidFill>
-              <a:effectLst>
-                <a:outerShdw blurRad="38100" dist="38100" dir="2700000" algn="tl">
-                  <a:srgbClr val="000000">
-                    <a:alpha val="43137"/>
-                  </a:srgbClr>
-                </a:outerShdw>
-              </a:effectLst>
-              <a:latin typeface="FZChaoCuHei-M10" panose="02000000000000000000" charset="-122"/>
-              <a:ea typeface="FZChaoCuHei-M10" panose="02000000000000000000" charset="-122"/>
-            </a:endParaRPr>
-          </a:p>
-          <a:p>
-            <a:pPr algn="ctr"/>
-            <a:r>
-              <a:rPr lang="en-US" altLang="zh-CN" sz="4000">
-                <a:ln/>
-                <a:solidFill>
-                  <a:schemeClr val="bg1"/>
-                </a:solidFill>
-                <a:effectLst>
-                  <a:outerShdw blurRad="38100" dist="38100" dir="2700000" algn="tl">
-                    <a:srgbClr val="000000">
-                      <a:alpha val="43137"/>
-                    </a:srgbClr>
-                  </a:outerShdw>
-                </a:effectLst>
-                <a:latin typeface="FZChaoCuHei-M10" panose="02000000000000000000" charset="-122"/>
-                <a:ea typeface="FZChaoCuHei-M10" panose="02000000000000000000" charset="-122"/>
-              </a:rPr>
-              <a:t>Avatar</a:t>
-            </a:r>
-            <a:endParaRPr lang="en-US" altLang="zh-CN" sz="4000">
-              <a:ln/>
-              <a:solidFill>
-                <a:schemeClr val="bg1"/>
-              </a:solidFill>
-              <a:effectLst>
-                <a:outerShdw blurRad="38100" dist="38100" dir="2700000" algn="tl">
-                  <a:srgbClr val="000000">
-                    <a:alpha val="43137"/>
-                  </a:srgbClr>
-                </a:outerShdw>
-              </a:effectLst>
-              <a:latin typeface="FZChaoCuHei-M10" panose="02000000000000000000" charset="-122"/>
-              <a:ea typeface="FZChaoCuHei-M10" panose="02000000000000000000" charset="-122"/>
-            </a:endParaRPr>
-          </a:p>
-        </p:txBody>
-      </p:sp>
-      <p:sp>
-        <p:nvSpPr>
           <p:cNvPr id="7" name="文本框 6"/>
           <p:cNvSpPr txBox="1"/>
           <p:nvPr/>
         </p:nvSpPr>
         <p:spPr>
           <a:xfrm>
-            <a:off x="7847965" y="4506595"/>
+            <a:off x="7965440" y="4093845"/>
             <a:ext cx="2752725" cy="1753235"/>
           </a:xfrm>
           <a:prstGeom prst="rect">
@@ -2968,15 +2953,6 @@
         <p:txBody>
           <a:bodyPr wrap="square" rtlCol="0">
             <a:spAutoFit/>
-            <a:scene3d>
-              <a:camera prst="orthographicFront"/>
-              <a:lightRig rig="soft" dir="t">
-                <a:rot lat="0" lon="0" rev="15600000"/>
-              </a:lightRig>
-            </a:scene3d>
-            <a:sp3d extrusionH="57150" prstMaterial="softEdge">
-              <a:bevelT w="25400" h="38100"/>
-            </a:sp3d>
           </a:bodyPr>
           <a:p>
             <a:pPr algn="ctr"/>
@@ -2984,9 +2960,15 @@
               <a:rPr lang="en-US" altLang="zh-CN" sz="3600">
                 <a:ln/>
                 <a:solidFill>
-                  <a:schemeClr val="bg1"/>
+                  <a:schemeClr val="bg2"/>
                 </a:solidFill>
-                <a:effectLst/>
+                <a:effectLst>
+                  <a:innerShdw blurRad="63500" dist="50800" dir="13500000">
+                    <a:srgbClr val="000000">
+                      <a:alpha val="50000"/>
+                    </a:srgbClr>
+                  </a:innerShdw>
+                </a:effectLst>
                 <a:latin typeface="FZChaoCuHei-M10" panose="02000000000000000000" charset="-122"/>
                 <a:ea typeface="FZChaoCuHei-M10" panose="02000000000000000000" charset="-122"/>
                 <a:sym typeface="+mn-ea"/>
@@ -2996,9 +2978,15 @@
             <a:endParaRPr lang="en-US" altLang="zh-CN" sz="3600">
               <a:ln/>
               <a:solidFill>
-                <a:schemeClr val="bg1"/>
+                <a:schemeClr val="bg2"/>
               </a:solidFill>
-              <a:effectLst/>
+              <a:effectLst>
+                <a:innerShdw blurRad="63500" dist="50800" dir="13500000">
+                  <a:srgbClr val="000000">
+                    <a:alpha val="50000"/>
+                  </a:srgbClr>
+                </a:innerShdw>
+              </a:effectLst>
               <a:latin typeface="FZChaoCuHei-M10" panose="02000000000000000000" charset="-122"/>
               <a:ea typeface="FZChaoCuHei-M10" panose="02000000000000000000" charset="-122"/>
               <a:sym typeface="+mn-ea"/>
@@ -3010,9 +2998,15 @@
               <a:rPr lang="en-US" altLang="zh-CN" sz="3600">
                 <a:ln/>
                 <a:solidFill>
-                  <a:schemeClr val="bg1"/>
+                  <a:schemeClr val="bg2"/>
                 </a:solidFill>
-                <a:effectLst/>
+                <a:effectLst>
+                  <a:innerShdw blurRad="63500" dist="50800" dir="13500000">
+                    <a:srgbClr val="000000">
+                      <a:alpha val="50000"/>
+                    </a:srgbClr>
+                  </a:innerShdw>
+                </a:effectLst>
                 <a:latin typeface="FZChaoCuHei-M10" panose="02000000000000000000" charset="-122"/>
                 <a:ea typeface="FZChaoCuHei-M10" panose="02000000000000000000" charset="-122"/>
                 <a:sym typeface="+mn-ea"/>
@@ -3022,9 +3016,15 @@
             <a:endParaRPr lang="en-US" altLang="zh-CN" sz="3600">
               <a:ln/>
               <a:solidFill>
-                <a:schemeClr val="bg1"/>
+                <a:schemeClr val="bg2"/>
               </a:solidFill>
-              <a:effectLst/>
+              <a:effectLst>
+                <a:innerShdw blurRad="63500" dist="50800" dir="13500000">
+                  <a:srgbClr val="000000">
+                    <a:alpha val="50000"/>
+                  </a:srgbClr>
+                </a:innerShdw>
+              </a:effectLst>
               <a:latin typeface="FZChaoCuHei-M10" panose="02000000000000000000" charset="-122"/>
               <a:ea typeface="FZChaoCuHei-M10" panose="02000000000000000000" charset="-122"/>
             </a:endParaRPr>
@@ -3035,9 +3035,15 @@
               <a:rPr lang="en-US" altLang="zh-CN" sz="3600">
                 <a:ln/>
                 <a:solidFill>
-                  <a:schemeClr val="bg1"/>
+                  <a:schemeClr val="bg2"/>
                 </a:solidFill>
-                <a:effectLst/>
+                <a:effectLst>
+                  <a:innerShdw blurRad="63500" dist="50800" dir="13500000">
+                    <a:srgbClr val="000000">
+                      <a:alpha val="50000"/>
+                    </a:srgbClr>
+                  </a:innerShdw>
+                </a:effectLst>
                 <a:latin typeface="FZChaoCuHei-M10" panose="02000000000000000000" charset="-122"/>
                 <a:ea typeface="FZChaoCuHei-M10" panose="02000000000000000000" charset="-122"/>
               </a:rPr>
@@ -3046,9 +3052,15 @@
             <a:endParaRPr lang="en-US" altLang="zh-CN" sz="3600">
               <a:ln/>
               <a:solidFill>
-                <a:schemeClr val="bg1"/>
+                <a:schemeClr val="bg2"/>
               </a:solidFill>
-              <a:effectLst/>
+              <a:effectLst>
+                <a:innerShdw blurRad="63500" dist="50800" dir="13500000">
+                  <a:srgbClr val="000000">
+                    <a:alpha val="50000"/>
+                  </a:srgbClr>
+                </a:innerShdw>
+              </a:effectLst>
               <a:latin typeface="FZChaoCuHei-M10" panose="02000000000000000000" charset="-122"/>
               <a:ea typeface="FZChaoCuHei-M10" panose="02000000000000000000" charset="-122"/>
             </a:endParaRPr>
@@ -3063,7 +3075,7 @@
         </p:nvSpPr>
         <p:spPr>
           <a:xfrm>
-            <a:off x="520700" y="2447925"/>
+            <a:off x="436245" y="2926715"/>
             <a:ext cx="2575560" cy="583565"/>
           </a:xfrm>
           <a:prstGeom prst="rect">
@@ -3076,6 +3088,7 @@
             <a:spAutoFit/>
           </a:bodyPr>
           <a:p>
+            <a:pPr algn="ctr"/>
             <a:r>
               <a:rPr lang="zh-CN" altLang="en-US" sz="1600">
                 <a:solidFill>
@@ -3124,7 +3137,7 @@
         </p:nvSpPr>
         <p:spPr>
           <a:xfrm>
-            <a:off x="8096885" y="3923030"/>
+            <a:off x="8214360" y="3510280"/>
             <a:ext cx="2255520" cy="583565"/>
           </a:xfrm>
           <a:prstGeom prst="rect">
@@ -3137,6 +3150,7 @@
             <a:spAutoFit/>
           </a:bodyPr>
           <a:p>
+            <a:pPr algn="ctr"/>
             <a:r>
               <a:rPr lang="zh-CN" sz="1600">
                 <a:solidFill>

--- a/background/演示文稿1.pptx
+++ b/background/演示文稿1.pptx
@@ -6,6 +6,7 @@
   </p:sldMasterIdLst>
   <p:sldIdLst>
     <p:sldId id="256" r:id="rId3"/>
+    <p:sldId id="257" r:id="rId4"/>
   </p:sldIdLst>
   <p:sldSz cx="12192000" cy="6858000"/>
   <p:notesSz cx="7103745" cy="10234295"/>
@@ -2688,7 +2689,7 @@
         </p:nvSpPr>
         <p:spPr>
           <a:xfrm>
-            <a:off x="3206115" y="1878965"/>
+            <a:off x="3218815" y="1891665"/>
             <a:ext cx="5469255" cy="2306955"/>
           </a:xfrm>
           <a:prstGeom prst="rect">
@@ -3138,7 +3139,7 @@
         <p:spPr>
           <a:xfrm>
             <a:off x="8214360" y="3510280"/>
-            <a:ext cx="2255520" cy="583565"/>
+            <a:ext cx="2154555" cy="583565"/>
           </a:xfrm>
           <a:prstGeom prst="rect">
             <a:avLst/>
@@ -3159,7 +3160,458 @@
                 <a:latin typeface="STXihei" panose="02010600040101010101" charset="-122"/>
                 <a:ea typeface="STXihei" panose="02010600040101010101" charset="-122"/>
               </a:rPr>
-              <a:t>上传一张照片图片，在线转换成您想要的风格</a:t>
+              <a:t>上传一张图片，在线转换成您想要的风格</a:t>
+            </a:r>
+            <a:endParaRPr lang="zh-CN" sz="1600">
+              <a:solidFill>
+                <a:schemeClr val="bg1"/>
+              </a:solidFill>
+              <a:latin typeface="STXihei" panose="02010600040101010101" charset="-122"/>
+              <a:ea typeface="STXihei" panose="02010600040101010101" charset="-122"/>
+            </a:endParaRPr>
+          </a:p>
+        </p:txBody>
+      </p:sp>
+    </p:spTree>
+  </p:cSld>
+  <p:clrMapOvr>
+    <a:masterClrMapping/>
+  </p:clrMapOvr>
+</p:sld>
+</file>
+
+<file path=ppt/slides/slide2.xml><?xml version="1.0" encoding="utf-8"?>
+<p:sld xmlns:a="http://schemas.openxmlformats.org/drawingml/2006/main" xmlns:r="http://schemas.openxmlformats.org/officeDocument/2006/relationships" xmlns:p="http://schemas.openxmlformats.org/presentationml/2006/main">
+  <p:cSld>
+    <p:spTree>
+      <p:nvGrpSpPr>
+        <p:cNvPr id="1" name=""/>
+        <p:cNvGrpSpPr/>
+        <p:nvPr/>
+      </p:nvGrpSpPr>
+      <p:grpSpPr/>
+      <p:pic>
+        <p:nvPicPr>
+          <p:cNvPr id="10" name="图片 9" descr="phone"/>
+          <p:cNvPicPr>
+            <a:picLocks noChangeAspect="1"/>
+          </p:cNvPicPr>
+          <p:nvPr/>
+        </p:nvPicPr>
+        <p:blipFill>
+          <a:blip r:embed="rId1"/>
+          <a:stretch>
+            <a:fillRect/>
+          </a:stretch>
+        </p:blipFill>
+        <p:spPr>
+          <a:xfrm>
+            <a:off x="3402965" y="-1600200"/>
+            <a:ext cx="5386070" cy="10058400"/>
+          </a:xfrm>
+          <a:prstGeom prst="rect">
+            <a:avLst/>
+          </a:prstGeom>
+        </p:spPr>
+      </p:pic>
+      <p:sp>
+        <p:nvSpPr>
+          <p:cNvPr id="12" name="文本框 11"/>
+          <p:cNvSpPr txBox="1"/>
+          <p:nvPr/>
+        </p:nvSpPr>
+        <p:spPr>
+          <a:xfrm rot="20700000">
+            <a:off x="3172460" y="2150110"/>
+            <a:ext cx="5846445" cy="2306955"/>
+          </a:xfrm>
+          <a:prstGeom prst="rect">
+            <a:avLst/>
+          </a:prstGeom>
+          <a:noFill/>
+        </p:spPr>
+        <p:txBody>
+          <a:bodyPr wrap="square" rtlCol="0">
+            <a:spAutoFit/>
+          </a:bodyPr>
+          <a:p>
+            <a:pPr algn="ctr"/>
+            <a:r>
+              <a:rPr lang="en-US" altLang="zh-CN" sz="4800">
+                <a:solidFill>
+                  <a:schemeClr val="bg2"/>
+                </a:solidFill>
+                <a:effectLst>
+                  <a:innerShdw blurRad="63500" dist="50800" dir="13500000">
+                    <a:srgbClr val="000000">
+                      <a:alpha val="50000"/>
+                    </a:srgbClr>
+                  </a:innerShdw>
+                </a:effectLst>
+                <a:latin typeface="FZChaoCuHei-M10" panose="02000000000000000000" charset="-122"/>
+                <a:ea typeface="FZChaoCuHei-M10" panose="02000000000000000000" charset="-122"/>
+              </a:rPr>
+              <a:t>MAKE YOUR</a:t>
+            </a:r>
+            <a:endParaRPr lang="en-US" altLang="zh-CN" sz="4800">
+              <a:solidFill>
+                <a:schemeClr val="bg2"/>
+              </a:solidFill>
+              <a:effectLst>
+                <a:innerShdw blurRad="63500" dist="50800" dir="13500000">
+                  <a:srgbClr val="000000">
+                    <a:alpha val="50000"/>
+                  </a:srgbClr>
+                </a:innerShdw>
+              </a:effectLst>
+              <a:latin typeface="FZChaoCuHei-M10" panose="02000000000000000000" charset="-122"/>
+              <a:ea typeface="FZChaoCuHei-M10" panose="02000000000000000000" charset="-122"/>
+            </a:endParaRPr>
+          </a:p>
+          <a:p>
+            <a:pPr algn="ctr"/>
+            <a:r>
+              <a:rPr lang="en-US" altLang="zh-CN" sz="4800">
+                <a:solidFill>
+                  <a:schemeClr val="bg2"/>
+                </a:solidFill>
+                <a:effectLst>
+                  <a:innerShdw blurRad="63500" dist="50800" dir="13500000">
+                    <a:srgbClr val="000000">
+                      <a:alpha val="50000"/>
+                    </a:srgbClr>
+                  </a:innerShdw>
+                </a:effectLst>
+                <a:latin typeface="FZChaoCuHei-M10" panose="02000000000000000000" charset="-122"/>
+                <a:ea typeface="FZChaoCuHei-M10" panose="02000000000000000000" charset="-122"/>
+              </a:rPr>
+              <a:t>AVATAR </a:t>
+            </a:r>
+            <a:endParaRPr lang="en-US" altLang="zh-CN" sz="4800">
+              <a:solidFill>
+                <a:schemeClr val="bg2"/>
+              </a:solidFill>
+              <a:effectLst>
+                <a:innerShdw blurRad="63500" dist="50800" dir="13500000">
+                  <a:srgbClr val="000000">
+                    <a:alpha val="50000"/>
+                  </a:srgbClr>
+                </a:innerShdw>
+              </a:effectLst>
+              <a:latin typeface="FZChaoCuHei-M10" panose="02000000000000000000" charset="-122"/>
+              <a:ea typeface="FZChaoCuHei-M10" panose="02000000000000000000" charset="-122"/>
+            </a:endParaRPr>
+          </a:p>
+          <a:p>
+            <a:pPr algn="ctr"/>
+            <a:r>
+              <a:rPr lang="en-US" altLang="zh-CN" sz="4800">
+                <a:solidFill>
+                  <a:schemeClr val="bg2"/>
+                </a:solidFill>
+                <a:effectLst>
+                  <a:innerShdw blurRad="63500" dist="50800" dir="13500000">
+                    <a:srgbClr val="000000">
+                      <a:alpha val="50000"/>
+                    </a:srgbClr>
+                  </a:innerShdw>
+                </a:effectLst>
+                <a:latin typeface="FZChaoCuHei-M10" panose="02000000000000000000" charset="-122"/>
+                <a:ea typeface="FZChaoCuHei-M10" panose="02000000000000000000" charset="-122"/>
+              </a:rPr>
+              <a:t>WITH AI!</a:t>
+            </a:r>
+            <a:endParaRPr lang="en-US" altLang="zh-CN" sz="4800">
+              <a:solidFill>
+                <a:schemeClr val="bg2"/>
+              </a:solidFill>
+              <a:effectLst>
+                <a:innerShdw blurRad="63500" dist="50800" dir="13500000">
+                  <a:srgbClr val="000000">
+                    <a:alpha val="50000"/>
+                  </a:srgbClr>
+                </a:innerShdw>
+              </a:effectLst>
+              <a:latin typeface="FZChaoCuHei-M10" panose="02000000000000000000" charset="-122"/>
+              <a:ea typeface="FZChaoCuHei-M10" panose="02000000000000000000" charset="-122"/>
+            </a:endParaRPr>
+          </a:p>
+        </p:txBody>
+      </p:sp>
+      <p:sp>
+        <p:nvSpPr>
+          <p:cNvPr id="13" name="文本框 12"/>
+          <p:cNvSpPr txBox="1"/>
+          <p:nvPr/>
+        </p:nvSpPr>
+        <p:spPr>
+          <a:xfrm>
+            <a:off x="3075305" y="-976630"/>
+            <a:ext cx="6042025" cy="1322070"/>
+          </a:xfrm>
+          <a:prstGeom prst="rect">
+            <a:avLst/>
+          </a:prstGeom>
+          <a:noFill/>
+        </p:spPr>
+        <p:txBody>
+          <a:bodyPr wrap="square" rtlCol="0">
+            <a:spAutoFit/>
+          </a:bodyPr>
+          <a:p>
+            <a:pPr algn="ctr"/>
+            <a:r>
+              <a:rPr lang="en-US" altLang="zh-CN" sz="4000">
+                <a:solidFill>
+                  <a:schemeClr val="bg2"/>
+                </a:solidFill>
+                <a:effectLst>
+                  <a:innerShdw blurRad="63500" dist="50800" dir="13500000">
+                    <a:srgbClr val="000000">
+                      <a:alpha val="50000"/>
+                    </a:srgbClr>
+                  </a:innerShdw>
+                </a:effectLst>
+                <a:latin typeface="FZChaoCuHei-M10" panose="02000000000000000000" charset="-122"/>
+                <a:ea typeface="FZChaoCuHei-M10" panose="02000000000000000000" charset="-122"/>
+              </a:rPr>
+              <a:t>CREATE ANIME</a:t>
+            </a:r>
+            <a:endParaRPr lang="en-US" altLang="zh-CN" sz="4000">
+              <a:solidFill>
+                <a:schemeClr val="bg2"/>
+              </a:solidFill>
+              <a:effectLst>
+                <a:innerShdw blurRad="63500" dist="50800" dir="13500000">
+                  <a:srgbClr val="000000">
+                    <a:alpha val="50000"/>
+                  </a:srgbClr>
+                </a:innerShdw>
+              </a:effectLst>
+              <a:latin typeface="FZChaoCuHei-M10" panose="02000000000000000000" charset="-122"/>
+              <a:ea typeface="FZChaoCuHei-M10" panose="02000000000000000000" charset="-122"/>
+            </a:endParaRPr>
+          </a:p>
+          <a:p>
+            <a:pPr algn="ctr"/>
+            <a:r>
+              <a:rPr lang="en-US" altLang="zh-CN" sz="4000">
+                <a:solidFill>
+                  <a:schemeClr val="bg2"/>
+                </a:solidFill>
+                <a:effectLst>
+                  <a:innerShdw blurRad="63500" dist="50800" dir="13500000">
+                    <a:srgbClr val="000000">
+                      <a:alpha val="50000"/>
+                    </a:srgbClr>
+                  </a:innerShdw>
+                </a:effectLst>
+                <a:latin typeface="FZChaoCuHei-M10" panose="02000000000000000000" charset="-122"/>
+                <a:ea typeface="FZChaoCuHei-M10" panose="02000000000000000000" charset="-122"/>
+              </a:rPr>
+              <a:t>AVATAR</a:t>
+            </a:r>
+            <a:endParaRPr lang="en-US" altLang="zh-CN" sz="4000">
+              <a:solidFill>
+                <a:schemeClr val="bg2"/>
+              </a:solidFill>
+              <a:effectLst>
+                <a:innerShdw blurRad="63500" dist="50800" dir="13500000">
+                  <a:srgbClr val="000000">
+                    <a:alpha val="50000"/>
+                  </a:srgbClr>
+                </a:innerShdw>
+              </a:effectLst>
+              <a:latin typeface="FZChaoCuHei-M10" panose="02000000000000000000" charset="-122"/>
+              <a:ea typeface="FZChaoCuHei-M10" panose="02000000000000000000" charset="-122"/>
+            </a:endParaRPr>
+          </a:p>
+        </p:txBody>
+      </p:sp>
+      <p:sp>
+        <p:nvSpPr>
+          <p:cNvPr id="14" name="文本框 13"/>
+          <p:cNvSpPr txBox="1"/>
+          <p:nvPr/>
+        </p:nvSpPr>
+        <p:spPr>
+          <a:xfrm>
+            <a:off x="4693285" y="345440"/>
+            <a:ext cx="2804795" cy="583565"/>
+          </a:xfrm>
+          <a:prstGeom prst="rect">
+            <a:avLst/>
+          </a:prstGeom>
+          <a:noFill/>
+        </p:spPr>
+        <p:txBody>
+          <a:bodyPr wrap="square" rtlCol="0">
+            <a:spAutoFit/>
+          </a:bodyPr>
+          <a:p>
+            <a:pPr algn="ctr"/>
+            <a:r>
+              <a:rPr lang="zh-CN" altLang="en-US" sz="1600">
+                <a:solidFill>
+                  <a:schemeClr val="bg1"/>
+                </a:solidFill>
+                <a:latin typeface="STXihei" panose="02010600040101010101" charset="-122"/>
+                <a:ea typeface="STXihei" panose="02010600040101010101" charset="-122"/>
+              </a:rPr>
+              <a:t>使用生成对抗网络</a:t>
+            </a:r>
+            <a:r>
+              <a:rPr lang="en-US" altLang="zh-CN" sz="1600">
+                <a:solidFill>
+                  <a:schemeClr val="bg1"/>
+                </a:solidFill>
+                <a:latin typeface="STXihei" panose="02010600040101010101" charset="-122"/>
+                <a:ea typeface="STXihei" panose="02010600040101010101" charset="-122"/>
+              </a:rPr>
+              <a:t>(GAN)</a:t>
+            </a:r>
+            <a:r>
+              <a:rPr lang="zh-CN" altLang="en-US" sz="1600">
+                <a:solidFill>
+                  <a:schemeClr val="bg1"/>
+                </a:solidFill>
+                <a:latin typeface="STXihei" panose="02010600040101010101" charset="-122"/>
+                <a:ea typeface="STXihei" panose="02010600040101010101" charset="-122"/>
+              </a:rPr>
+              <a:t>在线生成动漫风格的头像</a:t>
+            </a:r>
+            <a:endParaRPr lang="zh-CN" altLang="en-US" sz="1600">
+              <a:solidFill>
+                <a:schemeClr val="bg1"/>
+              </a:solidFill>
+              <a:latin typeface="STXihei" panose="02010600040101010101" charset="-122"/>
+              <a:ea typeface="STXihei" panose="02010600040101010101" charset="-122"/>
+            </a:endParaRPr>
+          </a:p>
+        </p:txBody>
+      </p:sp>
+      <p:sp>
+        <p:nvSpPr>
+          <p:cNvPr id="15" name="文本框 14"/>
+          <p:cNvSpPr txBox="1"/>
+          <p:nvPr/>
+        </p:nvSpPr>
+        <p:spPr>
+          <a:xfrm>
+            <a:off x="3716020" y="5821045"/>
+            <a:ext cx="4758690" cy="1322070"/>
+          </a:xfrm>
+          <a:prstGeom prst="rect">
+            <a:avLst/>
+          </a:prstGeom>
+          <a:noFill/>
+        </p:spPr>
+        <p:txBody>
+          <a:bodyPr wrap="square" rtlCol="0">
+            <a:spAutoFit/>
+          </a:bodyPr>
+          <a:p>
+            <a:pPr algn="ctr"/>
+            <a:r>
+              <a:rPr lang="en-US" altLang="zh-CN" sz="4000">
+                <a:solidFill>
+                  <a:schemeClr val="bg2"/>
+                </a:solidFill>
+                <a:effectLst>
+                  <a:innerShdw blurRad="63500" dist="50800" dir="13500000">
+                    <a:srgbClr val="000000">
+                      <a:alpha val="50000"/>
+                    </a:srgbClr>
+                  </a:innerShdw>
+                </a:effectLst>
+                <a:latin typeface="FZChaoCuHei-M10" panose="02000000000000000000" charset="-122"/>
+                <a:ea typeface="FZChaoCuHei-M10" panose="02000000000000000000" charset="-122"/>
+                <a:sym typeface="+mn-ea"/>
+              </a:rPr>
+              <a:t>IMAGE STYLE</a:t>
+            </a:r>
+            <a:endParaRPr lang="en-US" altLang="zh-CN" sz="4000">
+              <a:solidFill>
+                <a:schemeClr val="bg2"/>
+              </a:solidFill>
+              <a:effectLst>
+                <a:innerShdw blurRad="63500" dist="50800" dir="13500000">
+                  <a:srgbClr val="000000">
+                    <a:alpha val="50000"/>
+                  </a:srgbClr>
+                </a:innerShdw>
+              </a:effectLst>
+              <a:latin typeface="FZChaoCuHei-M10" panose="02000000000000000000" charset="-122"/>
+              <a:ea typeface="FZChaoCuHei-M10" panose="02000000000000000000" charset="-122"/>
+            </a:endParaRPr>
+          </a:p>
+          <a:p>
+            <a:pPr algn="ctr"/>
+            <a:r>
+              <a:rPr lang="en-US" altLang="zh-CN" sz="4000">
+                <a:solidFill>
+                  <a:schemeClr val="bg2"/>
+                </a:solidFill>
+                <a:effectLst>
+                  <a:innerShdw blurRad="63500" dist="50800" dir="13500000">
+                    <a:srgbClr val="000000">
+                      <a:alpha val="50000"/>
+                    </a:srgbClr>
+                  </a:innerShdw>
+                </a:effectLst>
+                <a:latin typeface="FZChaoCuHei-M10" panose="02000000000000000000" charset="-122"/>
+                <a:ea typeface="FZChaoCuHei-M10" panose="02000000000000000000" charset="-122"/>
+              </a:rPr>
+              <a:t>TRANSFER</a:t>
+            </a:r>
+            <a:endParaRPr lang="en-US" altLang="zh-CN" sz="4000">
+              <a:solidFill>
+                <a:schemeClr val="bg2"/>
+              </a:solidFill>
+              <a:effectLst>
+                <a:innerShdw blurRad="63500" dist="50800" dir="13500000">
+                  <a:srgbClr val="000000">
+                    <a:alpha val="50000"/>
+                  </a:srgbClr>
+                </a:innerShdw>
+              </a:effectLst>
+              <a:latin typeface="FZChaoCuHei-M10" panose="02000000000000000000" charset="-122"/>
+              <a:ea typeface="FZChaoCuHei-M10" panose="02000000000000000000" charset="-122"/>
+            </a:endParaRPr>
+          </a:p>
+        </p:txBody>
+      </p:sp>
+      <p:sp>
+        <p:nvSpPr>
+          <p:cNvPr id="16" name="文本框 15"/>
+          <p:cNvSpPr txBox="1"/>
+          <p:nvPr/>
+        </p:nvSpPr>
+        <p:spPr>
+          <a:xfrm>
+            <a:off x="4739640" y="7143115"/>
+            <a:ext cx="2712085" cy="583565"/>
+          </a:xfrm>
+          <a:prstGeom prst="rect">
+            <a:avLst/>
+          </a:prstGeom>
+          <a:noFill/>
+        </p:spPr>
+        <p:txBody>
+          <a:bodyPr wrap="square" rtlCol="0">
+            <a:spAutoFit/>
+          </a:bodyPr>
+          <a:p>
+            <a:pPr algn="ctr"/>
+            <a:r>
+              <a:rPr lang="zh-CN" sz="1600">
+                <a:solidFill>
+                  <a:schemeClr val="bg1"/>
+                </a:solidFill>
+                <a:latin typeface="STXihei" panose="02010600040101010101" charset="-122"/>
+                <a:ea typeface="STXihei" panose="02010600040101010101" charset="-122"/>
+              </a:rPr>
+              <a:t>上传一张图片，在线转换成您想要的风格</a:t>
             </a:r>
             <a:endParaRPr lang="zh-CN" sz="1600">
               <a:solidFill>

--- a/background/演示文稿1.pptx
+++ b/background/演示文稿1.pptx
@@ -7,6 +7,7 @@
   <p:sldIdLst>
     <p:sldId id="256" r:id="rId3"/>
     <p:sldId id="257" r:id="rId4"/>
+    <p:sldId id="258" r:id="rId5"/>
   </p:sldIdLst>
   <p:sldSz cx="12192000" cy="6858000"/>
   <p:notesSz cx="7103745" cy="10234295"/>
@@ -2829,7 +2830,6 @@
             <a:pPr algn="ctr"/>
             <a:r>
               <a:rPr lang="en-US" altLang="zh-CN" sz="3600">
-                <a:ln/>
                 <a:solidFill>
                   <a:schemeClr val="bg2"/>
                 </a:solidFill>
@@ -2846,7 +2846,6 @@
               <a:t>Create </a:t>
             </a:r>
             <a:endParaRPr lang="en-US" altLang="zh-CN" sz="3600">
-              <a:ln/>
               <a:solidFill>
                 <a:schemeClr val="bg2"/>
               </a:solidFill>
@@ -2865,7 +2864,6 @@
             <a:pPr algn="ctr"/>
             <a:r>
               <a:rPr lang="en-US" altLang="zh-CN" sz="3600">
-                <a:ln/>
                 <a:solidFill>
                   <a:schemeClr val="bg2"/>
                 </a:solidFill>
@@ -2882,7 +2880,6 @@
               <a:t>Anime</a:t>
             </a:r>
             <a:endParaRPr lang="en-US" altLang="zh-CN" sz="3600">
-              <a:ln/>
               <a:solidFill>
                 <a:schemeClr val="bg2"/>
               </a:solidFill>
@@ -2901,7 +2898,6 @@
             <a:pPr algn="ctr"/>
             <a:r>
               <a:rPr lang="en-US" altLang="zh-CN" sz="3600">
-                <a:ln/>
                 <a:solidFill>
                   <a:schemeClr val="bg2"/>
                 </a:solidFill>
@@ -2918,7 +2914,6 @@
               <a:t>Avatar</a:t>
             </a:r>
             <a:endParaRPr lang="en-US" altLang="zh-CN" sz="3600">
-              <a:ln/>
               <a:solidFill>
                 <a:schemeClr val="bg2"/>
               </a:solidFill>
@@ -2959,7 +2954,6 @@
             <a:pPr algn="ctr"/>
             <a:r>
               <a:rPr lang="en-US" altLang="zh-CN" sz="3600">
-                <a:ln/>
                 <a:solidFill>
                   <a:schemeClr val="bg2"/>
                 </a:solidFill>
@@ -2977,7 +2971,6 @@
               <a:t>Image</a:t>
             </a:r>
             <a:endParaRPr lang="en-US" altLang="zh-CN" sz="3600">
-              <a:ln/>
               <a:solidFill>
                 <a:schemeClr val="bg2"/>
               </a:solidFill>
@@ -2997,7 +2990,6 @@
             <a:pPr algn="ctr"/>
             <a:r>
               <a:rPr lang="en-US" altLang="zh-CN" sz="3600">
-                <a:ln/>
                 <a:solidFill>
                   <a:schemeClr val="bg2"/>
                 </a:solidFill>
@@ -3015,7 +3007,6 @@
               <a:t>Style</a:t>
             </a:r>
             <a:endParaRPr lang="en-US" altLang="zh-CN" sz="3600">
-              <a:ln/>
               <a:solidFill>
                 <a:schemeClr val="bg2"/>
               </a:solidFill>
@@ -3034,7 +3025,6 @@
             <a:pPr algn="ctr"/>
             <a:r>
               <a:rPr lang="en-US" altLang="zh-CN" sz="3600">
-                <a:ln/>
                 <a:solidFill>
                   <a:schemeClr val="bg2"/>
                 </a:solidFill>
@@ -3051,7 +3041,6 @@
               <a:t>Tranfer </a:t>
             </a:r>
             <a:endParaRPr lang="en-US" altLang="zh-CN" sz="3600">
-              <a:ln/>
               <a:solidFill>
                 <a:schemeClr val="bg2"/>
               </a:solidFill>
@@ -3206,7 +3195,7 @@
         </p:blipFill>
         <p:spPr>
           <a:xfrm>
-            <a:off x="3402965" y="-1600200"/>
+            <a:off x="3402330" y="-1600200"/>
             <a:ext cx="5386070" cy="10058400"/>
           </a:xfrm>
           <a:prstGeom prst="rect">
@@ -3619,6 +3608,383 @@
               </a:solidFill>
               <a:latin typeface="STXihei" panose="02010600040101010101" charset="-122"/>
               <a:ea typeface="STXihei" panose="02010600040101010101" charset="-122"/>
+            </a:endParaRPr>
+          </a:p>
+        </p:txBody>
+      </p:sp>
+    </p:spTree>
+  </p:cSld>
+  <p:clrMapOvr>
+    <a:masterClrMapping/>
+  </p:clrMapOvr>
+</p:sld>
+</file>
+
+<file path=ppt/slides/slide3.xml><?xml version="1.0" encoding="utf-8"?>
+<p:sld xmlns:a="http://schemas.openxmlformats.org/drawingml/2006/main" xmlns:r="http://schemas.openxmlformats.org/officeDocument/2006/relationships" xmlns:p="http://schemas.openxmlformats.org/presentationml/2006/main">
+  <p:cSld>
+    <p:spTree>
+      <p:nvGrpSpPr>
+        <p:cNvPr id="1" name=""/>
+        <p:cNvGrpSpPr/>
+        <p:nvPr/>
+      </p:nvGrpSpPr>
+      <p:grpSpPr/>
+      <p:pic>
+        <p:nvPicPr>
+          <p:cNvPr id="5" name="图片 4" descr="ll-pc_new"/>
+          <p:cNvPicPr>
+            <a:picLocks noChangeAspect="1"/>
+          </p:cNvPicPr>
+          <p:nvPr/>
+        </p:nvPicPr>
+        <p:blipFill>
+          <a:blip r:embed="rId1"/>
+          <a:stretch>
+            <a:fillRect/>
+          </a:stretch>
+        </p:blipFill>
+        <p:spPr>
+          <a:xfrm>
+            <a:off x="1270" y="986790"/>
+            <a:ext cx="12189460" cy="4884420"/>
+          </a:xfrm>
+          <a:prstGeom prst="rect">
+            <a:avLst/>
+          </a:prstGeom>
+        </p:spPr>
+      </p:pic>
+      <p:sp>
+        <p:nvSpPr>
+          <p:cNvPr id="6" name="文本框 5"/>
+          <p:cNvSpPr txBox="1"/>
+          <p:nvPr/>
+        </p:nvSpPr>
+        <p:spPr>
+          <a:xfrm>
+            <a:off x="80645" y="1692910"/>
+            <a:ext cx="3065780" cy="1753235"/>
+          </a:xfrm>
+          <a:prstGeom prst="rect">
+            <a:avLst/>
+          </a:prstGeom>
+          <a:noFill/>
+        </p:spPr>
+        <p:txBody>
+          <a:bodyPr wrap="square" rtlCol="0">
+            <a:spAutoFit/>
+          </a:bodyPr>
+          <a:p>
+            <a:pPr algn="ctr"/>
+            <a:r>
+              <a:rPr lang="zh-CN" altLang="en-US" sz="3600">
+                <a:ln/>
+                <a:solidFill>
+                  <a:schemeClr val="bg2"/>
+                </a:solidFill>
+                <a:effectLst>
+                  <a:innerShdw blurRad="63500" dist="50800" dir="13500000">
+                    <a:srgbClr val="000000">
+                      <a:alpha val="50000"/>
+                    </a:srgbClr>
+                  </a:innerShdw>
+                </a:effectLst>
+                <a:latin typeface="FZChaoCuHei-M10" panose="02000000000000000000" charset="-122"/>
+                <a:ea typeface="FZChaoCuHei-M10" panose="02000000000000000000" charset="-122"/>
+                <a:cs typeface="FZChaoCuHei-M10" panose="02000000000000000000" charset="-122"/>
+              </a:rPr>
+              <a:t>在线头像生成</a:t>
+            </a:r>
+            <a:r>
+              <a:rPr lang="en-US" altLang="zh-CN" sz="3600">
+                <a:ln/>
+                <a:solidFill>
+                  <a:schemeClr val="bg2"/>
+                </a:solidFill>
+                <a:effectLst>
+                  <a:innerShdw blurRad="63500" dist="50800" dir="13500000">
+                    <a:srgbClr val="000000">
+                      <a:alpha val="50000"/>
+                    </a:srgbClr>
+                  </a:innerShdw>
+                </a:effectLst>
+                <a:latin typeface="FZChaoCuHei-M10" panose="02000000000000000000" charset="-122"/>
+                <a:ea typeface="FZChaoCuHei-M10" panose="02000000000000000000" charset="-122"/>
+                <a:cs typeface="FZChaoCuHei-M10" panose="02000000000000000000" charset="-122"/>
+              </a:rPr>
+              <a:t>:</a:t>
+            </a:r>
+            <a:endParaRPr lang="zh-CN" altLang="en-US" sz="3600">
+              <a:ln/>
+              <a:solidFill>
+                <a:schemeClr val="bg2"/>
+              </a:solidFill>
+              <a:effectLst>
+                <a:innerShdw blurRad="63500" dist="50800" dir="13500000">
+                  <a:srgbClr val="000000">
+                    <a:alpha val="50000"/>
+                  </a:srgbClr>
+                </a:innerShdw>
+              </a:effectLst>
+              <a:latin typeface="FZChaoCuHei-M10" panose="02000000000000000000" charset="-122"/>
+              <a:ea typeface="FZChaoCuHei-M10" panose="02000000000000000000" charset="-122"/>
+              <a:cs typeface="FZChaoCuHei-M10" panose="02000000000000000000" charset="-122"/>
+            </a:endParaRPr>
+          </a:p>
+          <a:p>
+            <a:pPr algn="ctr"/>
+            <a:r>
+              <a:rPr lang="en-US" altLang="zh-CN" sz="3600">
+                <a:ln/>
+                <a:solidFill>
+                  <a:schemeClr val="bg2"/>
+                </a:solidFill>
+                <a:effectLst>
+                  <a:innerShdw blurRad="63500" dist="50800" dir="13500000">
+                    <a:srgbClr val="000000">
+                      <a:alpha val="50000"/>
+                    </a:srgbClr>
+                  </a:innerShdw>
+                </a:effectLst>
+                <a:latin typeface="FZChaoCuHei-M10" panose="02000000000000000000" charset="-122"/>
+                <a:ea typeface="FZChaoCuHei-M10" panose="02000000000000000000" charset="-122"/>
+                <a:cs typeface="FZChaoCuHei-M10" panose="02000000000000000000" charset="-122"/>
+              </a:rPr>
+              <a:t>LoveLive!</a:t>
+            </a:r>
+            <a:endParaRPr lang="en-US" altLang="zh-CN" sz="3600">
+              <a:ln/>
+              <a:solidFill>
+                <a:schemeClr val="bg2"/>
+              </a:solidFill>
+              <a:effectLst>
+                <a:innerShdw blurRad="63500" dist="50800" dir="13500000">
+                  <a:srgbClr val="000000">
+                    <a:alpha val="50000"/>
+                  </a:srgbClr>
+                </a:innerShdw>
+              </a:effectLst>
+              <a:latin typeface="FZChaoCuHei-M10" panose="02000000000000000000" charset="-122"/>
+              <a:ea typeface="FZChaoCuHei-M10" panose="02000000000000000000" charset="-122"/>
+              <a:cs typeface="FZChaoCuHei-M10" panose="02000000000000000000" charset="-122"/>
+            </a:endParaRPr>
+          </a:p>
+          <a:p>
+            <a:pPr algn="ctr"/>
+            <a:r>
+              <a:rPr lang="en-US" altLang="zh-CN" sz="3600">
+                <a:ln/>
+                <a:solidFill>
+                  <a:schemeClr val="bg2"/>
+                </a:solidFill>
+                <a:effectLst>
+                  <a:innerShdw blurRad="63500" dist="50800" dir="13500000">
+                    <a:srgbClr val="000000">
+                      <a:alpha val="50000"/>
+                    </a:srgbClr>
+                  </a:innerShdw>
+                </a:effectLst>
+                <a:latin typeface="FZChaoCuHei-M10" panose="02000000000000000000" charset="-122"/>
+                <a:ea typeface="FZChaoCuHei-M10" panose="02000000000000000000" charset="-122"/>
+                <a:cs typeface="FZChaoCuHei-M10" panose="02000000000000000000" charset="-122"/>
+              </a:rPr>
+              <a:t>(</a:t>
+            </a:r>
+            <a:r>
+              <a:rPr lang="zh-CN" altLang="en-US" sz="3600">
+                <a:ln/>
+                <a:solidFill>
+                  <a:schemeClr val="bg2"/>
+                </a:solidFill>
+                <a:effectLst>
+                  <a:innerShdw blurRad="63500" dist="50800" dir="13500000">
+                    <a:srgbClr val="000000">
+                      <a:alpha val="50000"/>
+                    </a:srgbClr>
+                  </a:innerShdw>
+                </a:effectLst>
+                <a:latin typeface="FZChaoCuHei-M10" panose="02000000000000000000" charset="-122"/>
+                <a:ea typeface="FZChaoCuHei-M10" panose="02000000000000000000" charset="-122"/>
+                <a:cs typeface="FZChaoCuHei-M10" panose="02000000000000000000" charset="-122"/>
+              </a:rPr>
+              <a:t>测试</a:t>
+            </a:r>
+            <a:r>
+              <a:rPr lang="en-US" altLang="zh-CN" sz="3600">
+                <a:ln/>
+                <a:solidFill>
+                  <a:schemeClr val="bg2"/>
+                </a:solidFill>
+                <a:effectLst>
+                  <a:innerShdw blurRad="63500" dist="50800" dir="13500000">
+                    <a:srgbClr val="000000">
+                      <a:alpha val="50000"/>
+                    </a:srgbClr>
+                  </a:innerShdw>
+                </a:effectLst>
+                <a:latin typeface="FZChaoCuHei-M10" panose="02000000000000000000" charset="-122"/>
+                <a:ea typeface="FZChaoCuHei-M10" panose="02000000000000000000" charset="-122"/>
+                <a:cs typeface="FZChaoCuHei-M10" panose="02000000000000000000" charset="-122"/>
+              </a:rPr>
+              <a:t>)</a:t>
+            </a:r>
+            <a:endParaRPr lang="en-US" altLang="zh-CN" sz="3600">
+              <a:ln/>
+              <a:solidFill>
+                <a:schemeClr val="bg2"/>
+              </a:solidFill>
+              <a:effectLst>
+                <a:innerShdw blurRad="63500" dist="50800" dir="13500000">
+                  <a:srgbClr val="000000">
+                    <a:alpha val="50000"/>
+                  </a:srgbClr>
+                </a:innerShdw>
+              </a:effectLst>
+              <a:latin typeface="FZChaoCuHei-M10" panose="02000000000000000000" charset="-122"/>
+              <a:ea typeface="FZChaoCuHei-M10" panose="02000000000000000000" charset="-122"/>
+              <a:cs typeface="FZChaoCuHei-M10" panose="02000000000000000000" charset="-122"/>
+            </a:endParaRPr>
+          </a:p>
+        </p:txBody>
+      </p:sp>
+      <p:sp>
+        <p:nvSpPr>
+          <p:cNvPr id="8" name="文本框 7"/>
+          <p:cNvSpPr txBox="1"/>
+          <p:nvPr/>
+        </p:nvSpPr>
+        <p:spPr>
+          <a:xfrm>
+            <a:off x="9425305" y="5074920"/>
+            <a:ext cx="2765425" cy="737235"/>
+          </a:xfrm>
+          <a:prstGeom prst="rect">
+            <a:avLst/>
+          </a:prstGeom>
+          <a:noFill/>
+        </p:spPr>
+        <p:txBody>
+          <a:bodyPr wrap="square" rtlCol="0">
+            <a:spAutoFit/>
+          </a:bodyPr>
+          <a:p>
+            <a:pPr algn="ctr" fontAlgn="auto">
+              <a:lnSpc>
+                <a:spcPts val="2520"/>
+              </a:lnSpc>
+            </a:pPr>
+            <a:r>
+              <a:rPr lang="zh-CN" altLang="en-US" sz="1600" b="1">
+                <a:ln/>
+                <a:solidFill>
+                  <a:schemeClr val="bg2"/>
+                </a:solidFill>
+                <a:effectLst>
+                  <a:innerShdw blurRad="63500" dist="50800" dir="13500000">
+                    <a:srgbClr val="000000">
+                      <a:alpha val="50000"/>
+                    </a:srgbClr>
+                  </a:innerShdw>
+                </a:effectLst>
+              </a:rPr>
+              <a:t>训练数据来自</a:t>
+            </a:r>
+            <a:r>
+              <a:rPr lang="en-US" altLang="zh-CN" sz="1600" b="1">
+                <a:ln/>
+                <a:solidFill>
+                  <a:schemeClr val="bg2"/>
+                </a:solidFill>
+                <a:effectLst>
+                  <a:innerShdw blurRad="63500" dist="50800" dir="13500000">
+                    <a:srgbClr val="000000">
+                      <a:alpha val="50000"/>
+                    </a:srgbClr>
+                  </a:innerShdw>
+                </a:effectLst>
+              </a:rPr>
+              <a:t>LoveLive </a:t>
+            </a:r>
+            <a:endParaRPr lang="en-US" altLang="zh-CN" sz="1600" b="1">
+              <a:ln/>
+              <a:solidFill>
+                <a:schemeClr val="bg2"/>
+              </a:solidFill>
+              <a:effectLst>
+                <a:innerShdw blurRad="63500" dist="50800" dir="13500000">
+                  <a:srgbClr val="000000">
+                    <a:alpha val="50000"/>
+                  </a:srgbClr>
+                </a:innerShdw>
+              </a:effectLst>
+            </a:endParaRPr>
+          </a:p>
+          <a:p>
+            <a:pPr algn="ctr" fontAlgn="auto">
+              <a:lnSpc>
+                <a:spcPts val="2520"/>
+              </a:lnSpc>
+            </a:pPr>
+            <a:r>
+              <a:rPr lang="en-US" altLang="zh-CN" sz="1600" b="1">
+                <a:ln/>
+                <a:solidFill>
+                  <a:schemeClr val="bg2"/>
+                </a:solidFill>
+                <a:effectLst>
+                  <a:innerShdw blurRad="63500" dist="50800" dir="13500000">
+                    <a:srgbClr val="000000">
+                      <a:alpha val="50000"/>
+                    </a:srgbClr>
+                  </a:innerShdw>
+                </a:effectLst>
+              </a:rPr>
+              <a:t>1600</a:t>
+            </a:r>
+            <a:r>
+              <a:rPr lang="zh-CN" altLang="en-US" sz="1600" b="1">
+                <a:ln/>
+                <a:solidFill>
+                  <a:schemeClr val="bg2"/>
+                </a:solidFill>
+                <a:effectLst>
+                  <a:innerShdw blurRad="63500" dist="50800" dir="13500000">
+                    <a:srgbClr val="000000">
+                      <a:alpha val="50000"/>
+                    </a:srgbClr>
+                  </a:innerShdw>
+                </a:effectLst>
+              </a:rPr>
+              <a:t>张</a:t>
+            </a:r>
+            <a:r>
+              <a:rPr lang="zh-CN" altLang="en-US" sz="1600" b="1">
+                <a:ln/>
+                <a:solidFill>
+                  <a:schemeClr val="bg2"/>
+                </a:solidFill>
+                <a:effectLst>
+                  <a:innerShdw blurRad="63500" dist="50800" dir="13500000">
+                    <a:srgbClr val="000000">
+                      <a:alpha val="50000"/>
+                    </a:srgbClr>
+                  </a:innerShdw>
+                </a:effectLst>
+              </a:rPr>
+              <a:t>人物立绘</a:t>
+            </a:r>
+            <a:endParaRPr lang="zh-CN" altLang="en-US" sz="1600" b="1">
+              <a:ln/>
+              <a:solidFill>
+                <a:schemeClr val="bg2"/>
+              </a:solidFill>
+              <a:effectLst>
+                <a:innerShdw blurRad="63500" dist="50800" dir="13500000">
+                  <a:srgbClr val="000000">
+                    <a:alpha val="50000"/>
+                  </a:srgbClr>
+                </a:innerShdw>
+              </a:effectLst>
             </a:endParaRPr>
           </a:p>
         </p:txBody>

--- a/background/演示文稿1.pptx
+++ b/background/演示文稿1.pptx
@@ -8,6 +8,9 @@
     <p:sldId id="256" r:id="rId3"/>
     <p:sldId id="257" r:id="rId4"/>
     <p:sldId id="258" r:id="rId5"/>
+    <p:sldId id="259" r:id="rId6"/>
+    <p:sldId id="260" r:id="rId7"/>
+    <p:sldId id="261" r:id="rId8"/>
   </p:sldIdLst>
   <p:sldSz cx="12192000" cy="6858000"/>
   <p:notesSz cx="7103745" cy="10234295"/>
@@ -3997,6 +4000,973 @@
 </p:sld>
 </file>
 
+<file path=ppt/slides/slide4.xml><?xml version="1.0" encoding="utf-8"?>
+<p:sld xmlns:a="http://schemas.openxmlformats.org/drawingml/2006/main" xmlns:r="http://schemas.openxmlformats.org/officeDocument/2006/relationships" xmlns:p="http://schemas.openxmlformats.org/presentationml/2006/main">
+  <p:cSld>
+    <p:spTree>
+      <p:nvGrpSpPr>
+        <p:cNvPr id="1" name=""/>
+        <p:cNvGrpSpPr/>
+        <p:nvPr/>
+      </p:nvGrpSpPr>
+      <p:grpSpPr/>
+      <p:pic>
+        <p:nvPicPr>
+          <p:cNvPr id="5" name="图片 4" descr="/run/media/why/DATA/why的程序测试/AI_Lab/AI-Avatar-Creater/background/soft-pc_new.pngsoft-pc_new"/>
+          <p:cNvPicPr>
+            <a:picLocks noChangeAspect="1"/>
+          </p:cNvPicPr>
+          <p:nvPr/>
+        </p:nvPicPr>
+        <p:blipFill>
+          <a:blip r:embed="rId1"/>
+          <a:srcRect/>
+          <a:stretch>
+            <a:fillRect/>
+          </a:stretch>
+        </p:blipFill>
+        <p:spPr>
+          <a:xfrm>
+            <a:off x="1270" y="987108"/>
+            <a:ext cx="12189460" cy="4883785"/>
+          </a:xfrm>
+          <a:prstGeom prst="rect">
+            <a:avLst/>
+          </a:prstGeom>
+        </p:spPr>
+      </p:pic>
+      <p:sp>
+        <p:nvSpPr>
+          <p:cNvPr id="6" name="文本框 5"/>
+          <p:cNvSpPr txBox="1"/>
+          <p:nvPr/>
+        </p:nvSpPr>
+        <p:spPr>
+          <a:xfrm>
+            <a:off x="80645" y="1692910"/>
+            <a:ext cx="3065780" cy="1198880"/>
+          </a:xfrm>
+          <a:prstGeom prst="rect">
+            <a:avLst/>
+          </a:prstGeom>
+          <a:noFill/>
+        </p:spPr>
+        <p:txBody>
+          <a:bodyPr wrap="square" rtlCol="0">
+            <a:spAutoFit/>
+          </a:bodyPr>
+          <a:p>
+            <a:pPr algn="ctr"/>
+            <a:r>
+              <a:rPr lang="zh-CN" altLang="en-US" sz="3600">
+                <a:solidFill>
+                  <a:schemeClr val="bg2"/>
+                </a:solidFill>
+                <a:effectLst>
+                  <a:innerShdw blurRad="63500" dist="50800" dir="13500000">
+                    <a:srgbClr val="000000">
+                      <a:alpha val="50000"/>
+                    </a:srgbClr>
+                  </a:innerShdw>
+                </a:effectLst>
+                <a:latin typeface="FZChaoCuHei-M10" panose="02000000000000000000" charset="-122"/>
+                <a:ea typeface="FZChaoCuHei-M10" panose="02000000000000000000" charset="-122"/>
+                <a:cs typeface="FZChaoCuHei-M10" panose="02000000000000000000" charset="-122"/>
+              </a:rPr>
+              <a:t>在线头像生成</a:t>
+            </a:r>
+            <a:r>
+              <a:rPr lang="en-US" altLang="zh-CN" sz="3600">
+                <a:solidFill>
+                  <a:schemeClr val="bg2"/>
+                </a:solidFill>
+                <a:effectLst>
+                  <a:innerShdw blurRad="63500" dist="50800" dir="13500000">
+                    <a:srgbClr val="000000">
+                      <a:alpha val="50000"/>
+                    </a:srgbClr>
+                  </a:innerShdw>
+                </a:effectLst>
+                <a:latin typeface="FZChaoCuHei-M10" panose="02000000000000000000" charset="-122"/>
+                <a:ea typeface="FZChaoCuHei-M10" panose="02000000000000000000" charset="-122"/>
+                <a:cs typeface="FZChaoCuHei-M10" panose="02000000000000000000" charset="-122"/>
+              </a:rPr>
+              <a:t>:</a:t>
+            </a:r>
+            <a:endParaRPr lang="zh-CN" altLang="en-US" sz="3600">
+              <a:solidFill>
+                <a:schemeClr val="bg2"/>
+              </a:solidFill>
+              <a:effectLst>
+                <a:innerShdw blurRad="63500" dist="50800" dir="13500000">
+                  <a:srgbClr val="000000">
+                    <a:alpha val="50000"/>
+                  </a:srgbClr>
+                </a:innerShdw>
+              </a:effectLst>
+              <a:latin typeface="FZChaoCuHei-M10" panose="02000000000000000000" charset="-122"/>
+              <a:ea typeface="FZChaoCuHei-M10" panose="02000000000000000000" charset="-122"/>
+              <a:cs typeface="FZChaoCuHei-M10" panose="02000000000000000000" charset="-122"/>
+            </a:endParaRPr>
+          </a:p>
+          <a:p>
+            <a:pPr algn="ctr"/>
+            <a:r>
+              <a:rPr lang="zh-CN" altLang="en-US" sz="3600">
+                <a:solidFill>
+                  <a:schemeClr val="bg2"/>
+                </a:solidFill>
+                <a:effectLst>
+                  <a:innerShdw blurRad="63500" dist="50800" dir="13500000">
+                    <a:srgbClr val="000000">
+                      <a:alpha val="50000"/>
+                    </a:srgbClr>
+                  </a:innerShdw>
+                </a:effectLst>
+                <a:latin typeface="FZChaoCuHei-M10" panose="02000000000000000000" charset="-122"/>
+                <a:ea typeface="FZChaoCuHei-M10" panose="02000000000000000000" charset="-122"/>
+                <a:cs typeface="FZChaoCuHei-M10" panose="02000000000000000000" charset="-122"/>
+              </a:rPr>
+              <a:t>柔和风格</a:t>
+            </a:r>
+            <a:endParaRPr lang="en-US" altLang="zh-CN" sz="3600">
+              <a:solidFill>
+                <a:schemeClr val="bg2"/>
+              </a:solidFill>
+              <a:effectLst>
+                <a:innerShdw blurRad="63500" dist="50800" dir="13500000">
+                  <a:srgbClr val="000000">
+                    <a:alpha val="50000"/>
+                  </a:srgbClr>
+                </a:innerShdw>
+              </a:effectLst>
+              <a:latin typeface="FZChaoCuHei-M10" panose="02000000000000000000" charset="-122"/>
+              <a:ea typeface="FZChaoCuHei-M10" panose="02000000000000000000" charset="-122"/>
+              <a:cs typeface="FZChaoCuHei-M10" panose="02000000000000000000" charset="-122"/>
+            </a:endParaRPr>
+          </a:p>
+        </p:txBody>
+      </p:sp>
+      <p:sp>
+        <p:nvSpPr>
+          <p:cNvPr id="8" name="文本框 7"/>
+          <p:cNvSpPr txBox="1"/>
+          <p:nvPr/>
+        </p:nvSpPr>
+        <p:spPr>
+          <a:xfrm>
+            <a:off x="9425305" y="5074920"/>
+            <a:ext cx="2765425" cy="737235"/>
+          </a:xfrm>
+          <a:prstGeom prst="rect">
+            <a:avLst/>
+          </a:prstGeom>
+          <a:noFill/>
+        </p:spPr>
+        <p:txBody>
+          <a:bodyPr wrap="square" rtlCol="0">
+            <a:spAutoFit/>
+          </a:bodyPr>
+          <a:p>
+            <a:pPr algn="ctr" fontAlgn="auto">
+              <a:lnSpc>
+                <a:spcPts val="2520"/>
+              </a:lnSpc>
+            </a:pPr>
+            <a:r>
+              <a:rPr lang="zh-CN" altLang="en-US" sz="1600" b="1">
+                <a:solidFill>
+                  <a:schemeClr val="bg2"/>
+                </a:solidFill>
+                <a:effectLst>
+                  <a:innerShdw blurRad="63500" dist="50800" dir="13500000">
+                    <a:srgbClr val="000000">
+                      <a:alpha val="50000"/>
+                    </a:srgbClr>
+                  </a:innerShdw>
+                </a:effectLst>
+              </a:rPr>
+              <a:t>训练数据来自</a:t>
+            </a:r>
+            <a:r>
+              <a:rPr lang="en-US" altLang="zh-CN" sz="1600" b="1">
+                <a:solidFill>
+                  <a:schemeClr val="bg2"/>
+                </a:solidFill>
+                <a:effectLst>
+                  <a:innerShdw blurRad="63500" dist="50800" dir="13500000">
+                    <a:srgbClr val="000000">
+                      <a:alpha val="50000"/>
+                    </a:srgbClr>
+                  </a:innerShdw>
+                </a:effectLst>
+              </a:rPr>
+              <a:t>LoveLive </a:t>
+            </a:r>
+            <a:endParaRPr lang="en-US" altLang="zh-CN" sz="1600" b="1">
+              <a:solidFill>
+                <a:schemeClr val="bg2"/>
+              </a:solidFill>
+              <a:effectLst>
+                <a:innerShdw blurRad="63500" dist="50800" dir="13500000">
+                  <a:srgbClr val="000000">
+                    <a:alpha val="50000"/>
+                  </a:srgbClr>
+                </a:innerShdw>
+              </a:effectLst>
+            </a:endParaRPr>
+          </a:p>
+          <a:p>
+            <a:pPr algn="ctr" fontAlgn="auto">
+              <a:lnSpc>
+                <a:spcPts val="2520"/>
+              </a:lnSpc>
+            </a:pPr>
+            <a:r>
+              <a:rPr lang="en-US" altLang="zh-CN" sz="1600" b="1">
+                <a:solidFill>
+                  <a:schemeClr val="bg2"/>
+                </a:solidFill>
+                <a:effectLst>
+                  <a:innerShdw blurRad="63500" dist="50800" dir="13500000">
+                    <a:srgbClr val="000000">
+                      <a:alpha val="50000"/>
+                    </a:srgbClr>
+                  </a:innerShdw>
+                </a:effectLst>
+              </a:rPr>
+              <a:t>1600</a:t>
+            </a:r>
+            <a:r>
+              <a:rPr lang="zh-CN" altLang="en-US" sz="1600" b="1">
+                <a:solidFill>
+                  <a:schemeClr val="bg2"/>
+                </a:solidFill>
+                <a:effectLst>
+                  <a:innerShdw blurRad="63500" dist="50800" dir="13500000">
+                    <a:srgbClr val="000000">
+                      <a:alpha val="50000"/>
+                    </a:srgbClr>
+                  </a:innerShdw>
+                </a:effectLst>
+              </a:rPr>
+              <a:t>张人物立绘</a:t>
+            </a:r>
+            <a:endParaRPr lang="zh-CN" altLang="en-US" sz="1600" b="1">
+              <a:solidFill>
+                <a:schemeClr val="bg2"/>
+              </a:solidFill>
+              <a:effectLst>
+                <a:innerShdw blurRad="63500" dist="50800" dir="13500000">
+                  <a:srgbClr val="000000">
+                    <a:alpha val="50000"/>
+                  </a:srgbClr>
+                </a:innerShdw>
+              </a:effectLst>
+            </a:endParaRPr>
+          </a:p>
+        </p:txBody>
+      </p:sp>
+    </p:spTree>
+  </p:cSld>
+  <p:clrMapOvr>
+    <a:masterClrMapping/>
+  </p:clrMapOvr>
+</p:sld>
+</file>
+
+<file path=ppt/slides/slide5.xml><?xml version="1.0" encoding="utf-8"?>
+<p:sld xmlns:a="http://schemas.openxmlformats.org/drawingml/2006/main" xmlns:r="http://schemas.openxmlformats.org/officeDocument/2006/relationships" xmlns:p="http://schemas.openxmlformats.org/presentationml/2006/main">
+  <p:cSld>
+    <p:spTree>
+      <p:nvGrpSpPr>
+        <p:cNvPr id="1" name=""/>
+        <p:cNvGrpSpPr/>
+        <p:nvPr/>
+      </p:nvGrpSpPr>
+      <p:grpSpPr/>
+      <p:pic>
+        <p:nvPicPr>
+          <p:cNvPr id="5" name="图片 4" descr="ll-pc_new"/>
+          <p:cNvPicPr>
+            <a:picLocks noChangeAspect="1"/>
+          </p:cNvPicPr>
+          <p:nvPr/>
+        </p:nvPicPr>
+        <p:blipFill>
+          <a:blip r:embed="rId1"/>
+          <a:stretch>
+            <a:fillRect/>
+          </a:stretch>
+        </p:blipFill>
+        <p:spPr>
+          <a:xfrm>
+            <a:off x="1270" y="986790"/>
+            <a:ext cx="12189460" cy="4884420"/>
+          </a:xfrm>
+          <a:prstGeom prst="rect">
+            <a:avLst/>
+          </a:prstGeom>
+        </p:spPr>
+      </p:pic>
+      <p:sp>
+        <p:nvSpPr>
+          <p:cNvPr id="6" name="文本框 5"/>
+          <p:cNvSpPr txBox="1"/>
+          <p:nvPr/>
+        </p:nvSpPr>
+        <p:spPr>
+          <a:xfrm>
+            <a:off x="80645" y="1692910"/>
+            <a:ext cx="3065780" cy="1753235"/>
+          </a:xfrm>
+          <a:prstGeom prst="rect">
+            <a:avLst/>
+          </a:prstGeom>
+          <a:noFill/>
+        </p:spPr>
+        <p:txBody>
+          <a:bodyPr wrap="square" rtlCol="0">
+            <a:spAutoFit/>
+          </a:bodyPr>
+          <a:p>
+            <a:pPr algn="ctr"/>
+            <a:r>
+              <a:rPr lang="zh-CN" altLang="en-US" sz="3600">
+                <a:solidFill>
+                  <a:schemeClr val="bg2"/>
+                </a:solidFill>
+                <a:effectLst>
+                  <a:innerShdw blurRad="63500" dist="50800" dir="13500000">
+                    <a:srgbClr val="000000">
+                      <a:alpha val="50000"/>
+                    </a:srgbClr>
+                  </a:innerShdw>
+                </a:effectLst>
+                <a:latin typeface="FZChaoCuHei-M10" panose="02000000000000000000" charset="-122"/>
+                <a:ea typeface="FZChaoCuHei-M10" panose="02000000000000000000" charset="-122"/>
+                <a:cs typeface="FZChaoCuHei-M10" panose="02000000000000000000" charset="-122"/>
+              </a:rPr>
+              <a:t>在线头像生成</a:t>
+            </a:r>
+            <a:r>
+              <a:rPr lang="en-US" altLang="zh-CN" sz="3600">
+                <a:solidFill>
+                  <a:schemeClr val="bg2"/>
+                </a:solidFill>
+                <a:effectLst>
+                  <a:innerShdw blurRad="63500" dist="50800" dir="13500000">
+                    <a:srgbClr val="000000">
+                      <a:alpha val="50000"/>
+                    </a:srgbClr>
+                  </a:innerShdw>
+                </a:effectLst>
+                <a:latin typeface="FZChaoCuHei-M10" panose="02000000000000000000" charset="-122"/>
+                <a:ea typeface="FZChaoCuHei-M10" panose="02000000000000000000" charset="-122"/>
+                <a:cs typeface="FZChaoCuHei-M10" panose="02000000000000000000" charset="-122"/>
+              </a:rPr>
+              <a:t>:</a:t>
+            </a:r>
+            <a:endParaRPr lang="zh-CN" altLang="en-US" sz="3600">
+              <a:solidFill>
+                <a:schemeClr val="bg2"/>
+              </a:solidFill>
+              <a:effectLst>
+                <a:innerShdw blurRad="63500" dist="50800" dir="13500000">
+                  <a:srgbClr val="000000">
+                    <a:alpha val="50000"/>
+                  </a:srgbClr>
+                </a:innerShdw>
+              </a:effectLst>
+              <a:latin typeface="FZChaoCuHei-M10" panose="02000000000000000000" charset="-122"/>
+              <a:ea typeface="FZChaoCuHei-M10" panose="02000000000000000000" charset="-122"/>
+              <a:cs typeface="FZChaoCuHei-M10" panose="02000000000000000000" charset="-122"/>
+            </a:endParaRPr>
+          </a:p>
+          <a:p>
+            <a:pPr algn="ctr"/>
+            <a:r>
+              <a:rPr lang="en-US" altLang="zh-CN" sz="3600">
+                <a:solidFill>
+                  <a:schemeClr val="bg2"/>
+                </a:solidFill>
+                <a:effectLst>
+                  <a:innerShdw blurRad="63500" dist="50800" dir="13500000">
+                    <a:srgbClr val="000000">
+                      <a:alpha val="50000"/>
+                    </a:srgbClr>
+                  </a:innerShdw>
+                </a:effectLst>
+                <a:latin typeface="FZChaoCuHei-M10" panose="02000000000000000000" charset="-122"/>
+                <a:ea typeface="FZChaoCuHei-M10" panose="02000000000000000000" charset="-122"/>
+                <a:cs typeface="FZChaoCuHei-M10" panose="02000000000000000000" charset="-122"/>
+              </a:rPr>
+              <a:t>LoveLive!</a:t>
+            </a:r>
+            <a:endParaRPr lang="en-US" altLang="zh-CN" sz="3600">
+              <a:solidFill>
+                <a:schemeClr val="bg2"/>
+              </a:solidFill>
+              <a:effectLst>
+                <a:innerShdw blurRad="63500" dist="50800" dir="13500000">
+                  <a:srgbClr val="000000">
+                    <a:alpha val="50000"/>
+                  </a:srgbClr>
+                </a:innerShdw>
+              </a:effectLst>
+              <a:latin typeface="FZChaoCuHei-M10" panose="02000000000000000000" charset="-122"/>
+              <a:ea typeface="FZChaoCuHei-M10" panose="02000000000000000000" charset="-122"/>
+              <a:cs typeface="FZChaoCuHei-M10" panose="02000000000000000000" charset="-122"/>
+            </a:endParaRPr>
+          </a:p>
+          <a:p>
+            <a:pPr algn="ctr"/>
+            <a:r>
+              <a:rPr lang="en-US" altLang="zh-CN" sz="3600">
+                <a:solidFill>
+                  <a:schemeClr val="bg2"/>
+                </a:solidFill>
+                <a:effectLst>
+                  <a:innerShdw blurRad="63500" dist="50800" dir="13500000">
+                    <a:srgbClr val="000000">
+                      <a:alpha val="50000"/>
+                    </a:srgbClr>
+                  </a:innerShdw>
+                </a:effectLst>
+                <a:latin typeface="FZChaoCuHei-M10" panose="02000000000000000000" charset="-122"/>
+                <a:ea typeface="FZChaoCuHei-M10" panose="02000000000000000000" charset="-122"/>
+                <a:cs typeface="FZChaoCuHei-M10" panose="02000000000000000000" charset="-122"/>
+              </a:rPr>
+              <a:t>(</a:t>
+            </a:r>
+            <a:r>
+              <a:rPr lang="zh-CN" altLang="en-US" sz="3600">
+                <a:solidFill>
+                  <a:schemeClr val="bg2"/>
+                </a:solidFill>
+                <a:effectLst>
+                  <a:innerShdw blurRad="63500" dist="50800" dir="13500000">
+                    <a:srgbClr val="000000">
+                      <a:alpha val="50000"/>
+                    </a:srgbClr>
+                  </a:innerShdw>
+                </a:effectLst>
+                <a:latin typeface="FZChaoCuHei-M10" panose="02000000000000000000" charset="-122"/>
+                <a:ea typeface="FZChaoCuHei-M10" panose="02000000000000000000" charset="-122"/>
+                <a:cs typeface="FZChaoCuHei-M10" panose="02000000000000000000" charset="-122"/>
+              </a:rPr>
+              <a:t>测试</a:t>
+            </a:r>
+            <a:r>
+              <a:rPr lang="en-US" altLang="zh-CN" sz="3600">
+                <a:solidFill>
+                  <a:schemeClr val="bg2"/>
+                </a:solidFill>
+                <a:effectLst>
+                  <a:innerShdw blurRad="63500" dist="50800" dir="13500000">
+                    <a:srgbClr val="000000">
+                      <a:alpha val="50000"/>
+                    </a:srgbClr>
+                  </a:innerShdw>
+                </a:effectLst>
+                <a:latin typeface="FZChaoCuHei-M10" panose="02000000000000000000" charset="-122"/>
+                <a:ea typeface="FZChaoCuHei-M10" panose="02000000000000000000" charset="-122"/>
+                <a:cs typeface="FZChaoCuHei-M10" panose="02000000000000000000" charset="-122"/>
+              </a:rPr>
+              <a:t>)</a:t>
+            </a:r>
+            <a:endParaRPr lang="en-US" altLang="zh-CN" sz="3600">
+              <a:solidFill>
+                <a:schemeClr val="bg2"/>
+              </a:solidFill>
+              <a:effectLst>
+                <a:innerShdw blurRad="63500" dist="50800" dir="13500000">
+                  <a:srgbClr val="000000">
+                    <a:alpha val="50000"/>
+                  </a:srgbClr>
+                </a:innerShdw>
+              </a:effectLst>
+              <a:latin typeface="FZChaoCuHei-M10" panose="02000000000000000000" charset="-122"/>
+              <a:ea typeface="FZChaoCuHei-M10" panose="02000000000000000000" charset="-122"/>
+              <a:cs typeface="FZChaoCuHei-M10" panose="02000000000000000000" charset="-122"/>
+            </a:endParaRPr>
+          </a:p>
+        </p:txBody>
+      </p:sp>
+      <p:sp>
+        <p:nvSpPr>
+          <p:cNvPr id="8" name="文本框 7"/>
+          <p:cNvSpPr txBox="1"/>
+          <p:nvPr/>
+        </p:nvSpPr>
+        <p:spPr>
+          <a:xfrm>
+            <a:off x="9425305" y="5074920"/>
+            <a:ext cx="2765425" cy="737235"/>
+          </a:xfrm>
+          <a:prstGeom prst="rect">
+            <a:avLst/>
+          </a:prstGeom>
+          <a:noFill/>
+        </p:spPr>
+        <p:txBody>
+          <a:bodyPr wrap="square" rtlCol="0">
+            <a:spAutoFit/>
+          </a:bodyPr>
+          <a:p>
+            <a:pPr algn="ctr" fontAlgn="auto">
+              <a:lnSpc>
+                <a:spcPts val="2520"/>
+              </a:lnSpc>
+            </a:pPr>
+            <a:r>
+              <a:rPr lang="zh-CN" altLang="en-US" sz="1600" b="1">
+                <a:solidFill>
+                  <a:schemeClr val="bg2"/>
+                </a:solidFill>
+                <a:effectLst>
+                  <a:innerShdw blurRad="63500" dist="50800" dir="13500000">
+                    <a:srgbClr val="000000">
+                      <a:alpha val="50000"/>
+                    </a:srgbClr>
+                  </a:innerShdw>
+                </a:effectLst>
+              </a:rPr>
+              <a:t>训练数据来自</a:t>
+            </a:r>
+            <a:r>
+              <a:rPr lang="en-US" altLang="zh-CN" sz="1600" b="1">
+                <a:solidFill>
+                  <a:schemeClr val="bg2"/>
+                </a:solidFill>
+                <a:effectLst>
+                  <a:innerShdw blurRad="63500" dist="50800" dir="13500000">
+                    <a:srgbClr val="000000">
+                      <a:alpha val="50000"/>
+                    </a:srgbClr>
+                  </a:innerShdw>
+                </a:effectLst>
+              </a:rPr>
+              <a:t>LoveLive </a:t>
+            </a:r>
+            <a:endParaRPr lang="en-US" altLang="zh-CN" sz="1600" b="1">
+              <a:solidFill>
+                <a:schemeClr val="bg2"/>
+              </a:solidFill>
+              <a:effectLst>
+                <a:innerShdw blurRad="63500" dist="50800" dir="13500000">
+                  <a:srgbClr val="000000">
+                    <a:alpha val="50000"/>
+                  </a:srgbClr>
+                </a:innerShdw>
+              </a:effectLst>
+            </a:endParaRPr>
+          </a:p>
+          <a:p>
+            <a:pPr algn="ctr" fontAlgn="auto">
+              <a:lnSpc>
+                <a:spcPts val="2520"/>
+              </a:lnSpc>
+            </a:pPr>
+            <a:r>
+              <a:rPr lang="en-US" altLang="zh-CN" sz="1600" b="1">
+                <a:solidFill>
+                  <a:schemeClr val="bg2"/>
+                </a:solidFill>
+                <a:effectLst>
+                  <a:innerShdw blurRad="63500" dist="50800" dir="13500000">
+                    <a:srgbClr val="000000">
+                      <a:alpha val="50000"/>
+                    </a:srgbClr>
+                  </a:innerShdw>
+                </a:effectLst>
+              </a:rPr>
+              <a:t>1600</a:t>
+            </a:r>
+            <a:r>
+              <a:rPr lang="zh-CN" altLang="en-US" sz="1600" b="1">
+                <a:solidFill>
+                  <a:schemeClr val="bg2"/>
+                </a:solidFill>
+                <a:effectLst>
+                  <a:innerShdw blurRad="63500" dist="50800" dir="13500000">
+                    <a:srgbClr val="000000">
+                      <a:alpha val="50000"/>
+                    </a:srgbClr>
+                  </a:innerShdw>
+                </a:effectLst>
+              </a:rPr>
+              <a:t>张人物立绘</a:t>
+            </a:r>
+            <a:endParaRPr lang="zh-CN" altLang="en-US" sz="1600" b="1">
+              <a:solidFill>
+                <a:schemeClr val="bg2"/>
+              </a:solidFill>
+              <a:effectLst>
+                <a:innerShdw blurRad="63500" dist="50800" dir="13500000">
+                  <a:srgbClr val="000000">
+                    <a:alpha val="50000"/>
+                  </a:srgbClr>
+                </a:innerShdw>
+              </a:effectLst>
+            </a:endParaRPr>
+          </a:p>
+        </p:txBody>
+      </p:sp>
+    </p:spTree>
+  </p:cSld>
+  <p:clrMapOvr>
+    <a:masterClrMapping/>
+  </p:clrMapOvr>
+</p:sld>
+</file>
+
+<file path=ppt/slides/slide6.xml><?xml version="1.0" encoding="utf-8"?>
+<p:sld xmlns:a="http://schemas.openxmlformats.org/drawingml/2006/main" xmlns:r="http://schemas.openxmlformats.org/officeDocument/2006/relationships" xmlns:p="http://schemas.openxmlformats.org/presentationml/2006/main">
+  <p:cSld>
+    <p:spTree>
+      <p:nvGrpSpPr>
+        <p:cNvPr id="1" name=""/>
+        <p:cNvGrpSpPr/>
+        <p:nvPr/>
+      </p:nvGrpSpPr>
+      <p:grpSpPr/>
+      <p:pic>
+        <p:nvPicPr>
+          <p:cNvPr id="5" name="图片 4" descr="ll-pc_new"/>
+          <p:cNvPicPr>
+            <a:picLocks noChangeAspect="1"/>
+          </p:cNvPicPr>
+          <p:nvPr/>
+        </p:nvPicPr>
+        <p:blipFill>
+          <a:blip r:embed="rId1"/>
+          <a:stretch>
+            <a:fillRect/>
+          </a:stretch>
+        </p:blipFill>
+        <p:spPr>
+          <a:xfrm>
+            <a:off x="1270" y="986790"/>
+            <a:ext cx="12189460" cy="4884420"/>
+          </a:xfrm>
+          <a:prstGeom prst="rect">
+            <a:avLst/>
+          </a:prstGeom>
+        </p:spPr>
+      </p:pic>
+      <p:sp>
+        <p:nvSpPr>
+          <p:cNvPr id="6" name="文本框 5"/>
+          <p:cNvSpPr txBox="1"/>
+          <p:nvPr/>
+        </p:nvSpPr>
+        <p:spPr>
+          <a:xfrm>
+            <a:off x="80645" y="1692910"/>
+            <a:ext cx="3065780" cy="1753235"/>
+          </a:xfrm>
+          <a:prstGeom prst="rect">
+            <a:avLst/>
+          </a:prstGeom>
+          <a:noFill/>
+        </p:spPr>
+        <p:txBody>
+          <a:bodyPr wrap="square" rtlCol="0">
+            <a:spAutoFit/>
+          </a:bodyPr>
+          <a:p>
+            <a:pPr algn="ctr"/>
+            <a:r>
+              <a:rPr lang="zh-CN" altLang="en-US" sz="3600">
+                <a:solidFill>
+                  <a:schemeClr val="bg2"/>
+                </a:solidFill>
+                <a:effectLst>
+                  <a:innerShdw blurRad="63500" dist="50800" dir="13500000">
+                    <a:srgbClr val="000000">
+                      <a:alpha val="50000"/>
+                    </a:srgbClr>
+                  </a:innerShdw>
+                </a:effectLst>
+                <a:latin typeface="FZChaoCuHei-M10" panose="02000000000000000000" charset="-122"/>
+                <a:ea typeface="FZChaoCuHei-M10" panose="02000000000000000000" charset="-122"/>
+                <a:cs typeface="FZChaoCuHei-M10" panose="02000000000000000000" charset="-122"/>
+              </a:rPr>
+              <a:t>在线头像生成</a:t>
+            </a:r>
+            <a:r>
+              <a:rPr lang="en-US" altLang="zh-CN" sz="3600">
+                <a:solidFill>
+                  <a:schemeClr val="bg2"/>
+                </a:solidFill>
+                <a:effectLst>
+                  <a:innerShdw blurRad="63500" dist="50800" dir="13500000">
+                    <a:srgbClr val="000000">
+                      <a:alpha val="50000"/>
+                    </a:srgbClr>
+                  </a:innerShdw>
+                </a:effectLst>
+                <a:latin typeface="FZChaoCuHei-M10" panose="02000000000000000000" charset="-122"/>
+                <a:ea typeface="FZChaoCuHei-M10" panose="02000000000000000000" charset="-122"/>
+                <a:cs typeface="FZChaoCuHei-M10" panose="02000000000000000000" charset="-122"/>
+              </a:rPr>
+              <a:t>:</a:t>
+            </a:r>
+            <a:endParaRPr lang="zh-CN" altLang="en-US" sz="3600">
+              <a:solidFill>
+                <a:schemeClr val="bg2"/>
+              </a:solidFill>
+              <a:effectLst>
+                <a:innerShdw blurRad="63500" dist="50800" dir="13500000">
+                  <a:srgbClr val="000000">
+                    <a:alpha val="50000"/>
+                  </a:srgbClr>
+                </a:innerShdw>
+              </a:effectLst>
+              <a:latin typeface="FZChaoCuHei-M10" panose="02000000000000000000" charset="-122"/>
+              <a:ea typeface="FZChaoCuHei-M10" panose="02000000000000000000" charset="-122"/>
+              <a:cs typeface="FZChaoCuHei-M10" panose="02000000000000000000" charset="-122"/>
+            </a:endParaRPr>
+          </a:p>
+          <a:p>
+            <a:pPr algn="ctr"/>
+            <a:r>
+              <a:rPr lang="en-US" altLang="zh-CN" sz="3600">
+                <a:solidFill>
+                  <a:schemeClr val="bg2"/>
+                </a:solidFill>
+                <a:effectLst>
+                  <a:innerShdw blurRad="63500" dist="50800" dir="13500000">
+                    <a:srgbClr val="000000">
+                      <a:alpha val="50000"/>
+                    </a:srgbClr>
+                  </a:innerShdw>
+                </a:effectLst>
+                <a:latin typeface="FZChaoCuHei-M10" panose="02000000000000000000" charset="-122"/>
+                <a:ea typeface="FZChaoCuHei-M10" panose="02000000000000000000" charset="-122"/>
+                <a:cs typeface="FZChaoCuHei-M10" panose="02000000000000000000" charset="-122"/>
+              </a:rPr>
+              <a:t>LoveLive!</a:t>
+            </a:r>
+            <a:endParaRPr lang="en-US" altLang="zh-CN" sz="3600">
+              <a:solidFill>
+                <a:schemeClr val="bg2"/>
+              </a:solidFill>
+              <a:effectLst>
+                <a:innerShdw blurRad="63500" dist="50800" dir="13500000">
+                  <a:srgbClr val="000000">
+                    <a:alpha val="50000"/>
+                  </a:srgbClr>
+                </a:innerShdw>
+              </a:effectLst>
+              <a:latin typeface="FZChaoCuHei-M10" panose="02000000000000000000" charset="-122"/>
+              <a:ea typeface="FZChaoCuHei-M10" panose="02000000000000000000" charset="-122"/>
+              <a:cs typeface="FZChaoCuHei-M10" panose="02000000000000000000" charset="-122"/>
+            </a:endParaRPr>
+          </a:p>
+          <a:p>
+            <a:pPr algn="ctr"/>
+            <a:r>
+              <a:rPr lang="en-US" altLang="zh-CN" sz="3600">
+                <a:solidFill>
+                  <a:schemeClr val="bg2"/>
+                </a:solidFill>
+                <a:effectLst>
+                  <a:innerShdw blurRad="63500" dist="50800" dir="13500000">
+                    <a:srgbClr val="000000">
+                      <a:alpha val="50000"/>
+                    </a:srgbClr>
+                  </a:innerShdw>
+                </a:effectLst>
+                <a:latin typeface="FZChaoCuHei-M10" panose="02000000000000000000" charset="-122"/>
+                <a:ea typeface="FZChaoCuHei-M10" panose="02000000000000000000" charset="-122"/>
+                <a:cs typeface="FZChaoCuHei-M10" panose="02000000000000000000" charset="-122"/>
+              </a:rPr>
+              <a:t>(</a:t>
+            </a:r>
+            <a:r>
+              <a:rPr lang="zh-CN" altLang="en-US" sz="3600">
+                <a:solidFill>
+                  <a:schemeClr val="bg2"/>
+                </a:solidFill>
+                <a:effectLst>
+                  <a:innerShdw blurRad="63500" dist="50800" dir="13500000">
+                    <a:srgbClr val="000000">
+                      <a:alpha val="50000"/>
+                    </a:srgbClr>
+                  </a:innerShdw>
+                </a:effectLst>
+                <a:latin typeface="FZChaoCuHei-M10" panose="02000000000000000000" charset="-122"/>
+                <a:ea typeface="FZChaoCuHei-M10" panose="02000000000000000000" charset="-122"/>
+                <a:cs typeface="FZChaoCuHei-M10" panose="02000000000000000000" charset="-122"/>
+              </a:rPr>
+              <a:t>测试</a:t>
+            </a:r>
+            <a:r>
+              <a:rPr lang="en-US" altLang="zh-CN" sz="3600">
+                <a:solidFill>
+                  <a:schemeClr val="bg2"/>
+                </a:solidFill>
+                <a:effectLst>
+                  <a:innerShdw blurRad="63500" dist="50800" dir="13500000">
+                    <a:srgbClr val="000000">
+                      <a:alpha val="50000"/>
+                    </a:srgbClr>
+                  </a:innerShdw>
+                </a:effectLst>
+                <a:latin typeface="FZChaoCuHei-M10" panose="02000000000000000000" charset="-122"/>
+                <a:ea typeface="FZChaoCuHei-M10" panose="02000000000000000000" charset="-122"/>
+                <a:cs typeface="FZChaoCuHei-M10" panose="02000000000000000000" charset="-122"/>
+              </a:rPr>
+              <a:t>)</a:t>
+            </a:r>
+            <a:endParaRPr lang="en-US" altLang="zh-CN" sz="3600">
+              <a:solidFill>
+                <a:schemeClr val="bg2"/>
+              </a:solidFill>
+              <a:effectLst>
+                <a:innerShdw blurRad="63500" dist="50800" dir="13500000">
+                  <a:srgbClr val="000000">
+                    <a:alpha val="50000"/>
+                  </a:srgbClr>
+                </a:innerShdw>
+              </a:effectLst>
+              <a:latin typeface="FZChaoCuHei-M10" panose="02000000000000000000" charset="-122"/>
+              <a:ea typeface="FZChaoCuHei-M10" panose="02000000000000000000" charset="-122"/>
+              <a:cs typeface="FZChaoCuHei-M10" panose="02000000000000000000" charset="-122"/>
+            </a:endParaRPr>
+          </a:p>
+        </p:txBody>
+      </p:sp>
+      <p:sp>
+        <p:nvSpPr>
+          <p:cNvPr id="8" name="文本框 7"/>
+          <p:cNvSpPr txBox="1"/>
+          <p:nvPr/>
+        </p:nvSpPr>
+        <p:spPr>
+          <a:xfrm>
+            <a:off x="9425305" y="5074920"/>
+            <a:ext cx="2765425" cy="737235"/>
+          </a:xfrm>
+          <a:prstGeom prst="rect">
+            <a:avLst/>
+          </a:prstGeom>
+          <a:noFill/>
+        </p:spPr>
+        <p:txBody>
+          <a:bodyPr wrap="square" rtlCol="0">
+            <a:spAutoFit/>
+          </a:bodyPr>
+          <a:p>
+            <a:pPr algn="ctr" fontAlgn="auto">
+              <a:lnSpc>
+                <a:spcPts val="2520"/>
+              </a:lnSpc>
+            </a:pPr>
+            <a:r>
+              <a:rPr lang="zh-CN" altLang="en-US" sz="1600" b="1">
+                <a:solidFill>
+                  <a:schemeClr val="bg2"/>
+                </a:solidFill>
+                <a:effectLst>
+                  <a:innerShdw blurRad="63500" dist="50800" dir="13500000">
+                    <a:srgbClr val="000000">
+                      <a:alpha val="50000"/>
+                    </a:srgbClr>
+                  </a:innerShdw>
+                </a:effectLst>
+              </a:rPr>
+              <a:t>训练数据来自</a:t>
+            </a:r>
+            <a:r>
+              <a:rPr lang="en-US" altLang="zh-CN" sz="1600" b="1">
+                <a:solidFill>
+                  <a:schemeClr val="bg2"/>
+                </a:solidFill>
+                <a:effectLst>
+                  <a:innerShdw blurRad="63500" dist="50800" dir="13500000">
+                    <a:srgbClr val="000000">
+                      <a:alpha val="50000"/>
+                    </a:srgbClr>
+                  </a:innerShdw>
+                </a:effectLst>
+              </a:rPr>
+              <a:t>LoveLive </a:t>
+            </a:r>
+            <a:endParaRPr lang="en-US" altLang="zh-CN" sz="1600" b="1">
+              <a:solidFill>
+                <a:schemeClr val="bg2"/>
+              </a:solidFill>
+              <a:effectLst>
+                <a:innerShdw blurRad="63500" dist="50800" dir="13500000">
+                  <a:srgbClr val="000000">
+                    <a:alpha val="50000"/>
+                  </a:srgbClr>
+                </a:innerShdw>
+              </a:effectLst>
+            </a:endParaRPr>
+          </a:p>
+          <a:p>
+            <a:pPr algn="ctr" fontAlgn="auto">
+              <a:lnSpc>
+                <a:spcPts val="2520"/>
+              </a:lnSpc>
+            </a:pPr>
+            <a:r>
+              <a:rPr lang="en-US" altLang="zh-CN" sz="1600" b="1">
+                <a:solidFill>
+                  <a:schemeClr val="bg2"/>
+                </a:solidFill>
+                <a:effectLst>
+                  <a:innerShdw blurRad="63500" dist="50800" dir="13500000">
+                    <a:srgbClr val="000000">
+                      <a:alpha val="50000"/>
+                    </a:srgbClr>
+                  </a:innerShdw>
+                </a:effectLst>
+              </a:rPr>
+              <a:t>1600</a:t>
+            </a:r>
+            <a:r>
+              <a:rPr lang="zh-CN" altLang="en-US" sz="1600" b="1">
+                <a:solidFill>
+                  <a:schemeClr val="bg2"/>
+                </a:solidFill>
+                <a:effectLst>
+                  <a:innerShdw blurRad="63500" dist="50800" dir="13500000">
+                    <a:srgbClr val="000000">
+                      <a:alpha val="50000"/>
+                    </a:srgbClr>
+                  </a:innerShdw>
+                </a:effectLst>
+              </a:rPr>
+              <a:t>张人物立绘</a:t>
+            </a:r>
+            <a:endParaRPr lang="zh-CN" altLang="en-US" sz="1600" b="1">
+              <a:solidFill>
+                <a:schemeClr val="bg2"/>
+              </a:solidFill>
+              <a:effectLst>
+                <a:innerShdw blurRad="63500" dist="50800" dir="13500000">
+                  <a:srgbClr val="000000">
+                    <a:alpha val="50000"/>
+                  </a:srgbClr>
+                </a:innerShdw>
+              </a:effectLst>
+            </a:endParaRPr>
+          </a:p>
+        </p:txBody>
+      </p:sp>
+    </p:spTree>
+  </p:cSld>
+  <p:clrMapOvr>
+    <a:masterClrMapping/>
+  </p:clrMapOvr>
+</p:sld>
+</file>
+
 <file path=ppt/theme/theme1.xml><?xml version="1.0" encoding="utf-8"?>
 <a:theme xmlns:a="http://schemas.openxmlformats.org/drawingml/2006/main" name="Office 主题">
   <a:themeElements>
